--- a/Bacik.pptx
+++ b/Bacik.pptx
@@ -12,7 +12,17 @@
     <p:sldId id="260" r:id="rId6"/>
     <p:sldId id="261" r:id="rId7"/>
     <p:sldId id="262" r:id="rId8"/>
-    <p:sldId id="263" r:id="rId9"/>
+    <p:sldId id="266" r:id="rId9"/>
+    <p:sldId id="263" r:id="rId10"/>
+    <p:sldId id="264" r:id="rId11"/>
+    <p:sldId id="268" r:id="rId12"/>
+    <p:sldId id="271" r:id="rId13"/>
+    <p:sldId id="269" r:id="rId14"/>
+    <p:sldId id="272" r:id="rId15"/>
+    <p:sldId id="270" r:id="rId16"/>
+    <p:sldId id="265" r:id="rId17"/>
+    <p:sldId id="267" r:id="rId18"/>
+    <p:sldId id="273" r:id="rId19"/>
   </p:sldIdLst>
   <p:sldSz cx="9144000" cy="6858000" type="screen4x3"/>
   <p:notesSz cx="6858000" cy="9144000"/>
@@ -111,6 +121,42 @@
       </a:defRPr>
     </a:lvl9pPr>
   </p:defaultTextStyle>
+  <p:extLst>
+    <p:ext uri="{521415D9-36F7-43E2-AB2F-B90AF26B5E84}">
+      <p14:sectionLst xmlns:p14="http://schemas.microsoft.com/office/powerpoint/2010/main">
+        <p14:section name="Title" id="{6F6323A5-0CFA-9447-B720-0B30DBDA7C41}">
+          <p14:sldIdLst>
+            <p14:sldId id="256"/>
+            <p14:sldId id="257"/>
+          </p14:sldIdLst>
+        </p14:section>
+        <p14:section name="Btrfs and Linux File Systems" id="{CD338F84-7CCF-4C4C-AA1A-05C9A5CD7F2C}">
+          <p14:sldIdLst>
+            <p14:sldId id="258"/>
+            <p14:sldId id="259"/>
+            <p14:sldId id="260"/>
+            <p14:sldId id="261"/>
+            <p14:sldId id="262"/>
+          </p14:sldIdLst>
+        </p14:section>
+        <p14:section name="B-tree" id="{8349ED9A-3D54-9B4F-8D04-C6559089201C}">
+          <p14:sldIdLst>
+            <p14:sldId id="266"/>
+            <p14:sldId id="263"/>
+            <p14:sldId id="264"/>
+            <p14:sldId id="268"/>
+            <p14:sldId id="271"/>
+            <p14:sldId id="269"/>
+            <p14:sldId id="272"/>
+            <p14:sldId id="270"/>
+            <p14:sldId id="265"/>
+            <p14:sldId id="267"/>
+            <p14:sldId id="273"/>
+          </p14:sldIdLst>
+        </p14:section>
+      </p14:sectionLst>
+    </p:ext>
+  </p:extLst>
 </p:presentation>
 </file>
 
@@ -3157,6 +3203,907 @@
 </p:sld>
 </file>
 
+<file path=ppt/slides/slide10.xml><?xml version="1.0" encoding="utf-8"?>
+<p:sld xmlns:a="http://schemas.openxmlformats.org/drawingml/2006/main" xmlns:r="http://schemas.openxmlformats.org/officeDocument/2006/relationships" xmlns:p="http://schemas.openxmlformats.org/presentationml/2006/main">
+  <p:cSld>
+    <p:spTree>
+      <p:nvGrpSpPr>
+        <p:cNvPr id="1" name=""/>
+        <p:cNvGrpSpPr/>
+        <p:nvPr/>
+      </p:nvGrpSpPr>
+      <p:grpSpPr>
+        <a:xfrm>
+          <a:off x="0" y="0"/>
+          <a:ext cx="0" cy="0"/>
+          <a:chOff x="0" y="0"/>
+          <a:chExt cx="0" cy="0"/>
+        </a:xfrm>
+      </p:grpSpPr>
+      <p:sp>
+        <p:nvSpPr>
+          <p:cNvPr id="2" name="Title 1"/>
+          <p:cNvSpPr>
+            <a:spLocks noGrp="1"/>
+          </p:cNvSpPr>
+          <p:nvPr>
+            <p:ph type="title"/>
+          </p:nvPr>
+        </p:nvSpPr>
+        <p:spPr/>
+        <p:txBody>
+          <a:bodyPr/>
+          <a:lstStyle/>
+          <a:p>
+            <a:r>
+              <a:rPr lang="en-US" dirty="0" smtClean="0"/>
+              <a:t>B+-Tree</a:t>
+            </a:r>
+            <a:endParaRPr lang="en-US" dirty="0"/>
+          </a:p>
+        </p:txBody>
+      </p:sp>
+      <p:sp>
+        <p:nvSpPr>
+          <p:cNvPr id="3" name="Content Placeholder 2"/>
+          <p:cNvSpPr>
+            <a:spLocks noGrp="1"/>
+          </p:cNvSpPr>
+          <p:nvPr>
+            <p:ph idx="1"/>
+          </p:nvPr>
+        </p:nvSpPr>
+        <p:spPr/>
+        <p:txBody>
+          <a:bodyPr/>
+          <a:lstStyle/>
+          <a:p>
+            <a:r>
+              <a:rPr lang="en-US" dirty="0" smtClean="0"/>
+              <a:t>All keys and records in leaf nodes</a:t>
+            </a:r>
+          </a:p>
+          <a:p>
+            <a:r>
+              <a:rPr lang="en-US" dirty="0" smtClean="0"/>
+              <a:t>Leaf nodes chained for sequential access</a:t>
+            </a:r>
+          </a:p>
+          <a:p>
+            <a:r>
+              <a:rPr lang="en-US" dirty="0" smtClean="0"/>
+              <a:t>More compact</a:t>
+            </a:r>
+            <a:endParaRPr lang="en-US" dirty="0"/>
+          </a:p>
+        </p:txBody>
+      </p:sp>
+      <p:pic>
+        <p:nvPicPr>
+          <p:cNvPr id="4" name="Picture 3"/>
+          <p:cNvPicPr>
+            <a:picLocks noChangeAspect="1"/>
+          </p:cNvPicPr>
+          <p:nvPr/>
+        </p:nvPicPr>
+        <p:blipFill>
+          <a:blip r:embed="rId2"/>
+          <a:stretch>
+            <a:fillRect/>
+          </a:stretch>
+        </p:blipFill>
+        <p:spPr>
+          <a:xfrm>
+            <a:off x="2032000" y="3789363"/>
+            <a:ext cx="5080000" cy="2336800"/>
+          </a:xfrm>
+          <a:prstGeom prst="rect">
+            <a:avLst/>
+          </a:prstGeom>
+        </p:spPr>
+      </p:pic>
+    </p:spTree>
+    <p:extLst>
+      <p:ext uri="{BB962C8B-B14F-4D97-AF65-F5344CB8AC3E}">
+        <p14:creationId xmlns:p14="http://schemas.microsoft.com/office/powerpoint/2010/main" val="4002769322"/>
+      </p:ext>
+    </p:extLst>
+  </p:cSld>
+  <p:clrMapOvr>
+    <a:masterClrMapping/>
+  </p:clrMapOvr>
+</p:sld>
+</file>
+
+<file path=ppt/slides/slide11.xml><?xml version="1.0" encoding="utf-8"?>
+<p:sld xmlns:a="http://schemas.openxmlformats.org/drawingml/2006/main" xmlns:r="http://schemas.openxmlformats.org/officeDocument/2006/relationships" xmlns:p="http://schemas.openxmlformats.org/presentationml/2006/main">
+  <p:cSld>
+    <p:spTree>
+      <p:nvGrpSpPr>
+        <p:cNvPr id="1" name=""/>
+        <p:cNvGrpSpPr/>
+        <p:nvPr/>
+      </p:nvGrpSpPr>
+      <p:grpSpPr>
+        <a:xfrm>
+          <a:off x="0" y="0"/>
+          <a:ext cx="0" cy="0"/>
+          <a:chOff x="0" y="0"/>
+          <a:chExt cx="0" cy="0"/>
+        </a:xfrm>
+      </p:grpSpPr>
+      <p:sp>
+        <p:nvSpPr>
+          <p:cNvPr id="2" name="Title 1"/>
+          <p:cNvSpPr>
+            <a:spLocks noGrp="1"/>
+          </p:cNvSpPr>
+          <p:nvPr>
+            <p:ph type="title"/>
+          </p:nvPr>
+        </p:nvSpPr>
+        <p:spPr/>
+        <p:txBody>
+          <a:bodyPr/>
+          <a:lstStyle/>
+          <a:p>
+            <a:r>
+              <a:rPr lang="en-US" dirty="0" smtClean="0"/>
+              <a:t>B-Tree in Btrfs</a:t>
+            </a:r>
+            <a:endParaRPr lang="en-US" dirty="0"/>
+          </a:p>
+        </p:txBody>
+      </p:sp>
+      <p:sp>
+        <p:nvSpPr>
+          <p:cNvPr id="4" name="Text Placeholder 3"/>
+          <p:cNvSpPr>
+            <a:spLocks noGrp="1"/>
+          </p:cNvSpPr>
+          <p:nvPr>
+            <p:ph type="body" idx="1"/>
+          </p:nvPr>
+        </p:nvSpPr>
+        <p:spPr/>
+        <p:txBody>
+          <a:bodyPr/>
+          <a:lstStyle/>
+          <a:p>
+            <a:endParaRPr lang="en-US"/>
+          </a:p>
+        </p:txBody>
+      </p:sp>
+    </p:spTree>
+    <p:extLst>
+      <p:ext uri="{BB962C8B-B14F-4D97-AF65-F5344CB8AC3E}">
+        <p14:creationId xmlns:p14="http://schemas.microsoft.com/office/powerpoint/2010/main" val="2832398020"/>
+      </p:ext>
+    </p:extLst>
+  </p:cSld>
+  <p:clrMapOvr>
+    <a:masterClrMapping/>
+  </p:clrMapOvr>
+</p:sld>
+</file>
+
+<file path=ppt/slides/slide12.xml><?xml version="1.0" encoding="utf-8"?>
+<p:sld xmlns:a="http://schemas.openxmlformats.org/drawingml/2006/main" xmlns:r="http://schemas.openxmlformats.org/officeDocument/2006/relationships" xmlns:p="http://schemas.openxmlformats.org/presentationml/2006/main">
+  <p:cSld>
+    <p:spTree>
+      <p:nvGrpSpPr>
+        <p:cNvPr id="1" name=""/>
+        <p:cNvGrpSpPr/>
+        <p:nvPr/>
+      </p:nvGrpSpPr>
+      <p:grpSpPr>
+        <a:xfrm>
+          <a:off x="0" y="0"/>
+          <a:ext cx="0" cy="0"/>
+          <a:chOff x="0" y="0"/>
+          <a:chExt cx="0" cy="0"/>
+        </a:xfrm>
+      </p:grpSpPr>
+      <p:sp>
+        <p:nvSpPr>
+          <p:cNvPr id="2" name="Title 1"/>
+          <p:cNvSpPr>
+            <a:spLocks noGrp="1"/>
+          </p:cNvSpPr>
+          <p:nvPr>
+            <p:ph type="title"/>
+          </p:nvPr>
+        </p:nvSpPr>
+        <p:spPr/>
+        <p:txBody>
+          <a:bodyPr/>
+          <a:lstStyle/>
+          <a:p>
+            <a:r>
+              <a:rPr lang="en-US" dirty="0" smtClean="0"/>
+              <a:t>Key Numbers</a:t>
+            </a:r>
+            <a:endParaRPr lang="en-US" dirty="0"/>
+          </a:p>
+        </p:txBody>
+      </p:sp>
+      <p:sp>
+        <p:nvSpPr>
+          <p:cNvPr id="3" name="Content Placeholder 2"/>
+          <p:cNvSpPr>
+            <a:spLocks noGrp="1"/>
+          </p:cNvSpPr>
+          <p:nvPr>
+            <p:ph idx="1"/>
+          </p:nvPr>
+        </p:nvSpPr>
+        <p:spPr/>
+        <p:txBody>
+          <a:bodyPr/>
+          <a:lstStyle/>
+          <a:p>
+            <a:r>
+              <a:rPr lang="en-US" dirty="0" smtClean="0"/>
+              <a:t>Node size – 4KB</a:t>
+            </a:r>
+            <a:endParaRPr lang="en-US" dirty="0"/>
+          </a:p>
+        </p:txBody>
+      </p:sp>
+    </p:spTree>
+    <p:extLst>
+      <p:ext uri="{BB962C8B-B14F-4D97-AF65-F5344CB8AC3E}">
+        <p14:creationId xmlns:p14="http://schemas.microsoft.com/office/powerpoint/2010/main" val="284894297"/>
+      </p:ext>
+    </p:extLst>
+  </p:cSld>
+  <p:clrMapOvr>
+    <a:masterClrMapping/>
+  </p:clrMapOvr>
+</p:sld>
+</file>
+
+<file path=ppt/slides/slide13.xml><?xml version="1.0" encoding="utf-8"?>
+<p:sld xmlns:a="http://schemas.openxmlformats.org/drawingml/2006/main" xmlns:r="http://schemas.openxmlformats.org/officeDocument/2006/relationships" xmlns:p="http://schemas.openxmlformats.org/presentationml/2006/main">
+  <p:cSld>
+    <p:spTree>
+      <p:nvGrpSpPr>
+        <p:cNvPr id="1" name=""/>
+        <p:cNvGrpSpPr/>
+        <p:nvPr/>
+      </p:nvGrpSpPr>
+      <p:grpSpPr>
+        <a:xfrm>
+          <a:off x="0" y="0"/>
+          <a:ext cx="0" cy="0"/>
+          <a:chOff x="0" y="0"/>
+          <a:chExt cx="0" cy="0"/>
+        </a:xfrm>
+      </p:grpSpPr>
+      <p:sp>
+        <p:nvSpPr>
+          <p:cNvPr id="4" name="Title 3"/>
+          <p:cNvSpPr>
+            <a:spLocks noGrp="1"/>
+          </p:cNvSpPr>
+          <p:nvPr>
+            <p:ph type="title"/>
+          </p:nvPr>
+        </p:nvSpPr>
+        <p:spPr/>
+        <p:txBody>
+          <a:bodyPr/>
+          <a:lstStyle/>
+          <a:p>
+            <a:r>
+              <a:rPr lang="en-US" dirty="0" smtClean="0"/>
+              <a:t>Data Structures</a:t>
+            </a:r>
+            <a:endParaRPr lang="en-US" dirty="0"/>
+          </a:p>
+        </p:txBody>
+      </p:sp>
+      <p:sp>
+        <p:nvSpPr>
+          <p:cNvPr id="5" name="Content Placeholder 4"/>
+          <p:cNvSpPr>
+            <a:spLocks noGrp="1"/>
+          </p:cNvSpPr>
+          <p:nvPr>
+            <p:ph idx="1"/>
+          </p:nvPr>
+        </p:nvSpPr>
+        <p:spPr/>
+        <p:txBody>
+          <a:bodyPr>
+            <a:normAutofit lnSpcReduction="10000"/>
+          </a:bodyPr>
+          <a:lstStyle/>
+          <a:p>
+            <a:r>
+              <a:rPr lang="en-US" dirty="0" smtClean="0"/>
+              <a:t>Header</a:t>
+            </a:r>
+          </a:p>
+          <a:p>
+            <a:r>
+              <a:rPr lang="en-US" dirty="0" smtClean="0"/>
+              <a:t>Item</a:t>
+            </a:r>
+          </a:p>
+          <a:p>
+            <a:pPr lvl="1"/>
+            <a:r>
+              <a:rPr lang="en-US" dirty="0" smtClean="0"/>
+              <a:t>Key</a:t>
+            </a:r>
+          </a:p>
+          <a:p>
+            <a:pPr lvl="2"/>
+            <a:r>
+              <a:rPr lang="en-US" dirty="0" err="1" smtClean="0"/>
+              <a:t>Objectid</a:t>
+            </a:r>
+            <a:endParaRPr lang="en-US" dirty="0" smtClean="0"/>
+          </a:p>
+          <a:p>
+            <a:pPr lvl="2"/>
+            <a:r>
+              <a:rPr lang="en-US" dirty="0" smtClean="0"/>
+              <a:t>Type</a:t>
+            </a:r>
+          </a:p>
+          <a:p>
+            <a:pPr lvl="2"/>
+            <a:r>
+              <a:rPr lang="en-US" dirty="0" smtClean="0"/>
+              <a:t>Offset</a:t>
+            </a:r>
+          </a:p>
+          <a:p>
+            <a:pPr lvl="1"/>
+            <a:r>
+              <a:rPr lang="en-US" dirty="0" smtClean="0"/>
+              <a:t>Offset</a:t>
+            </a:r>
+          </a:p>
+          <a:p>
+            <a:pPr lvl="1"/>
+            <a:r>
+              <a:rPr lang="en-US" dirty="0" smtClean="0"/>
+              <a:t>Size</a:t>
+            </a:r>
+          </a:p>
+          <a:p>
+            <a:r>
+              <a:rPr lang="en-US" dirty="0" smtClean="0"/>
+              <a:t>Data</a:t>
+            </a:r>
+          </a:p>
+          <a:p>
+            <a:endParaRPr lang="en-US" dirty="0"/>
+          </a:p>
+        </p:txBody>
+      </p:sp>
+    </p:spTree>
+    <p:extLst>
+      <p:ext uri="{BB962C8B-B14F-4D97-AF65-F5344CB8AC3E}">
+        <p14:creationId xmlns:p14="http://schemas.microsoft.com/office/powerpoint/2010/main" val="2374115933"/>
+      </p:ext>
+    </p:extLst>
+  </p:cSld>
+  <p:clrMapOvr>
+    <a:masterClrMapping/>
+  </p:clrMapOvr>
+</p:sld>
+</file>
+
+<file path=ppt/slides/slide14.xml><?xml version="1.0" encoding="utf-8"?>
+<p:sld xmlns:a="http://schemas.openxmlformats.org/drawingml/2006/main" xmlns:r="http://schemas.openxmlformats.org/officeDocument/2006/relationships" xmlns:p="http://schemas.openxmlformats.org/presentationml/2006/main">
+  <p:cSld>
+    <p:spTree>
+      <p:nvGrpSpPr>
+        <p:cNvPr id="1" name=""/>
+        <p:cNvGrpSpPr/>
+        <p:nvPr/>
+      </p:nvGrpSpPr>
+      <p:grpSpPr>
+        <a:xfrm>
+          <a:off x="0" y="0"/>
+          <a:ext cx="0" cy="0"/>
+          <a:chOff x="0" y="0"/>
+          <a:chExt cx="0" cy="0"/>
+        </a:xfrm>
+      </p:grpSpPr>
+      <p:sp>
+        <p:nvSpPr>
+          <p:cNvPr id="2" name="Title 1"/>
+          <p:cNvSpPr>
+            <a:spLocks noGrp="1"/>
+          </p:cNvSpPr>
+          <p:nvPr>
+            <p:ph type="title"/>
+          </p:nvPr>
+        </p:nvSpPr>
+        <p:spPr/>
+        <p:txBody>
+          <a:bodyPr/>
+          <a:lstStyle/>
+          <a:p>
+            <a:r>
+              <a:rPr lang="en-US" dirty="0" smtClean="0"/>
+              <a:t>Internal Nodes</a:t>
+            </a:r>
+            <a:endParaRPr lang="en-US" dirty="0"/>
+          </a:p>
+        </p:txBody>
+      </p:sp>
+      <p:sp>
+        <p:nvSpPr>
+          <p:cNvPr id="3" name="Content Placeholder 2"/>
+          <p:cNvSpPr>
+            <a:spLocks noGrp="1"/>
+          </p:cNvSpPr>
+          <p:nvPr>
+            <p:ph idx="1"/>
+          </p:nvPr>
+        </p:nvSpPr>
+        <p:spPr/>
+        <p:txBody>
+          <a:bodyPr/>
+          <a:lstStyle/>
+          <a:p>
+            <a:r>
+              <a:rPr lang="en-US" dirty="0" smtClean="0"/>
+              <a:t>Header</a:t>
+            </a:r>
+          </a:p>
+          <a:p>
+            <a:pPr lvl="1"/>
+            <a:r>
+              <a:rPr lang="en-US" dirty="0" smtClean="0"/>
+              <a:t>CRC</a:t>
+            </a:r>
+          </a:p>
+          <a:p>
+            <a:pPr lvl="1"/>
+            <a:r>
+              <a:rPr lang="en-US" dirty="0" smtClean="0"/>
+              <a:t>Flags</a:t>
+            </a:r>
+          </a:p>
+          <a:p>
+            <a:pPr lvl="1"/>
+            <a:r>
+              <a:rPr lang="en-US" dirty="0" smtClean="0"/>
+              <a:t>Gen</a:t>
+            </a:r>
+          </a:p>
+          <a:p>
+            <a:pPr lvl="1"/>
+            <a:r>
+              <a:rPr lang="en-US" dirty="0" smtClean="0"/>
+              <a:t>Fixed size</a:t>
+            </a:r>
+          </a:p>
+          <a:p>
+            <a:r>
+              <a:rPr lang="en-US" dirty="0" smtClean="0"/>
+              <a:t>Items</a:t>
+            </a:r>
+          </a:p>
+          <a:p>
+            <a:pPr lvl="1"/>
+            <a:r>
+              <a:rPr lang="en-US" dirty="0" smtClean="0"/>
+              <a:t>Keys</a:t>
+            </a:r>
+          </a:p>
+          <a:p>
+            <a:pPr lvl="1"/>
+            <a:r>
+              <a:rPr lang="en-US" dirty="0" smtClean="0"/>
+              <a:t>Fixed size</a:t>
+            </a:r>
+            <a:endParaRPr lang="en-US" dirty="0"/>
+          </a:p>
+        </p:txBody>
+      </p:sp>
+    </p:spTree>
+    <p:extLst>
+      <p:ext uri="{BB962C8B-B14F-4D97-AF65-F5344CB8AC3E}">
+        <p14:creationId xmlns:p14="http://schemas.microsoft.com/office/powerpoint/2010/main" val="1807640641"/>
+      </p:ext>
+    </p:extLst>
+  </p:cSld>
+  <p:clrMapOvr>
+    <a:masterClrMapping/>
+  </p:clrMapOvr>
+</p:sld>
+</file>
+
+<file path=ppt/slides/slide15.xml><?xml version="1.0" encoding="utf-8"?>
+<p:sld xmlns:a="http://schemas.openxmlformats.org/drawingml/2006/main" xmlns:r="http://schemas.openxmlformats.org/officeDocument/2006/relationships" xmlns:p="http://schemas.openxmlformats.org/presentationml/2006/main">
+  <p:cSld>
+    <p:spTree>
+      <p:nvGrpSpPr>
+        <p:cNvPr id="1" name=""/>
+        <p:cNvGrpSpPr/>
+        <p:nvPr/>
+      </p:nvGrpSpPr>
+      <p:grpSpPr>
+        <a:xfrm>
+          <a:off x="0" y="0"/>
+          <a:ext cx="0" cy="0"/>
+          <a:chOff x="0" y="0"/>
+          <a:chExt cx="0" cy="0"/>
+        </a:xfrm>
+      </p:grpSpPr>
+      <p:sp>
+        <p:nvSpPr>
+          <p:cNvPr id="2" name="Title 1"/>
+          <p:cNvSpPr>
+            <a:spLocks noGrp="1"/>
+          </p:cNvSpPr>
+          <p:nvPr>
+            <p:ph type="title"/>
+          </p:nvPr>
+        </p:nvSpPr>
+        <p:spPr/>
+        <p:txBody>
+          <a:bodyPr/>
+          <a:lstStyle/>
+          <a:p>
+            <a:r>
+              <a:rPr lang="en-US" dirty="0" smtClean="0"/>
+              <a:t>Leaf Node</a:t>
+            </a:r>
+            <a:endParaRPr lang="en-US" dirty="0"/>
+          </a:p>
+        </p:txBody>
+      </p:sp>
+      <p:sp>
+        <p:nvSpPr>
+          <p:cNvPr id="3" name="Content Placeholder 2"/>
+          <p:cNvSpPr>
+            <a:spLocks noGrp="1"/>
+          </p:cNvSpPr>
+          <p:nvPr>
+            <p:ph idx="1"/>
+          </p:nvPr>
+        </p:nvSpPr>
+        <p:spPr/>
+        <p:txBody>
+          <a:bodyPr/>
+          <a:lstStyle/>
+          <a:p>
+            <a:r>
+              <a:rPr lang="en-US" dirty="0" smtClean="0"/>
+              <a:t>Leaf node with 3 items</a:t>
+            </a:r>
+          </a:p>
+          <a:p>
+            <a:pPr lvl="1"/>
+            <a:r>
+              <a:rPr lang="en-US" dirty="0" smtClean="0"/>
+              <a:t>Item in fixed size</a:t>
+            </a:r>
+          </a:p>
+          <a:p>
+            <a:pPr lvl="1"/>
+            <a:r>
+              <a:rPr lang="en-US" dirty="0" smtClean="0"/>
+              <a:t>Data in variable size</a:t>
+            </a:r>
+            <a:endParaRPr lang="en-US" dirty="0"/>
+          </a:p>
+        </p:txBody>
+      </p:sp>
+      <p:pic>
+        <p:nvPicPr>
+          <p:cNvPr id="4" name="Picture 3"/>
+          <p:cNvPicPr>
+            <a:picLocks noChangeAspect="1"/>
+          </p:cNvPicPr>
+          <p:nvPr/>
+        </p:nvPicPr>
+        <p:blipFill>
+          <a:blip r:embed="rId2"/>
+          <a:stretch>
+            <a:fillRect/>
+          </a:stretch>
+        </p:blipFill>
+        <p:spPr>
+          <a:xfrm>
+            <a:off x="571500" y="4095750"/>
+            <a:ext cx="7993944" cy="698500"/>
+          </a:xfrm>
+          <a:prstGeom prst="rect">
+            <a:avLst/>
+          </a:prstGeom>
+        </p:spPr>
+      </p:pic>
+    </p:spTree>
+    <p:extLst>
+      <p:ext uri="{BB962C8B-B14F-4D97-AF65-F5344CB8AC3E}">
+        <p14:creationId xmlns:p14="http://schemas.microsoft.com/office/powerpoint/2010/main" val="227304167"/>
+      </p:ext>
+    </p:extLst>
+  </p:cSld>
+  <p:clrMapOvr>
+    <a:masterClrMapping/>
+  </p:clrMapOvr>
+</p:sld>
+</file>
+
+<file path=ppt/slides/slide16.xml><?xml version="1.0" encoding="utf-8"?>
+<p:sld xmlns:a="http://schemas.openxmlformats.org/drawingml/2006/main" xmlns:r="http://schemas.openxmlformats.org/officeDocument/2006/relationships" xmlns:p="http://schemas.openxmlformats.org/presentationml/2006/main">
+  <p:cSld>
+    <p:spTree>
+      <p:nvGrpSpPr>
+        <p:cNvPr id="1" name=""/>
+        <p:cNvGrpSpPr/>
+        <p:nvPr/>
+      </p:nvGrpSpPr>
+      <p:grpSpPr>
+        <a:xfrm>
+          <a:off x="0" y="0"/>
+          <a:ext cx="0" cy="0"/>
+          <a:chOff x="0" y="0"/>
+          <a:chExt cx="0" cy="0"/>
+        </a:xfrm>
+      </p:grpSpPr>
+      <p:sp>
+        <p:nvSpPr>
+          <p:cNvPr id="2" name="Title 1"/>
+          <p:cNvSpPr>
+            <a:spLocks noGrp="1"/>
+          </p:cNvSpPr>
+          <p:nvPr>
+            <p:ph type="title"/>
+          </p:nvPr>
+        </p:nvSpPr>
+        <p:spPr/>
+        <p:txBody>
+          <a:bodyPr/>
+          <a:lstStyle/>
+          <a:p>
+            <a:r>
+              <a:rPr lang="en-US" dirty="0" smtClean="0"/>
+              <a:t>Directories</a:t>
+            </a:r>
+            <a:endParaRPr lang="en-US" dirty="0"/>
+          </a:p>
+        </p:txBody>
+      </p:sp>
+      <p:sp>
+        <p:nvSpPr>
+          <p:cNvPr id="3" name="Content Placeholder 2"/>
+          <p:cNvSpPr>
+            <a:spLocks noGrp="1"/>
+          </p:cNvSpPr>
+          <p:nvPr>
+            <p:ph idx="1"/>
+          </p:nvPr>
+        </p:nvSpPr>
+        <p:spPr/>
+        <p:txBody>
+          <a:bodyPr/>
+          <a:lstStyle/>
+          <a:p>
+            <a:endParaRPr lang="en-US" dirty="0"/>
+          </a:p>
+        </p:txBody>
+      </p:sp>
+      <p:pic>
+        <p:nvPicPr>
+          <p:cNvPr id="5" name="Picture 4"/>
+          <p:cNvPicPr>
+            <a:picLocks noChangeAspect="1"/>
+          </p:cNvPicPr>
+          <p:nvPr/>
+        </p:nvPicPr>
+        <p:blipFill>
+          <a:blip r:embed="rId2"/>
+          <a:stretch>
+            <a:fillRect/>
+          </a:stretch>
+        </p:blipFill>
+        <p:spPr>
+          <a:xfrm>
+            <a:off x="1104900" y="1043641"/>
+            <a:ext cx="7302500" cy="5818570"/>
+          </a:xfrm>
+          <a:prstGeom prst="rect">
+            <a:avLst/>
+          </a:prstGeom>
+        </p:spPr>
+      </p:pic>
+    </p:spTree>
+    <p:extLst>
+      <p:ext uri="{BB962C8B-B14F-4D97-AF65-F5344CB8AC3E}">
+        <p14:creationId xmlns:p14="http://schemas.microsoft.com/office/powerpoint/2010/main" val="953946038"/>
+      </p:ext>
+    </p:extLst>
+  </p:cSld>
+  <p:clrMapOvr>
+    <a:masterClrMapping/>
+  </p:clrMapOvr>
+</p:sld>
+</file>
+
+<file path=ppt/slides/slide17.xml><?xml version="1.0" encoding="utf-8"?>
+<p:sld xmlns:a="http://schemas.openxmlformats.org/drawingml/2006/main" xmlns:r="http://schemas.openxmlformats.org/officeDocument/2006/relationships" xmlns:p="http://schemas.openxmlformats.org/presentationml/2006/main">
+  <p:cSld>
+    <p:spTree>
+      <p:nvGrpSpPr>
+        <p:cNvPr id="1" name=""/>
+        <p:cNvGrpSpPr/>
+        <p:nvPr/>
+      </p:nvGrpSpPr>
+      <p:grpSpPr>
+        <a:xfrm>
+          <a:off x="0" y="0"/>
+          <a:ext cx="0" cy="0"/>
+          <a:chOff x="0" y="0"/>
+          <a:chExt cx="0" cy="0"/>
+        </a:xfrm>
+      </p:grpSpPr>
+      <p:sp>
+        <p:nvSpPr>
+          <p:cNvPr id="2" name="Title 1"/>
+          <p:cNvSpPr>
+            <a:spLocks noGrp="1"/>
+          </p:cNvSpPr>
+          <p:nvPr>
+            <p:ph type="title"/>
+          </p:nvPr>
+        </p:nvSpPr>
+        <p:spPr/>
+        <p:txBody>
+          <a:bodyPr/>
+          <a:lstStyle/>
+          <a:p>
+            <a:r>
+              <a:rPr lang="en-US" dirty="0" err="1" smtClean="0"/>
+              <a:t>Subvolume</a:t>
+            </a:r>
+            <a:endParaRPr lang="en-US" dirty="0"/>
+          </a:p>
+        </p:txBody>
+      </p:sp>
+      <p:sp>
+        <p:nvSpPr>
+          <p:cNvPr id="3" name="Content Placeholder 2"/>
+          <p:cNvSpPr>
+            <a:spLocks noGrp="1"/>
+          </p:cNvSpPr>
+          <p:nvPr>
+            <p:ph idx="1"/>
+          </p:nvPr>
+        </p:nvSpPr>
+        <p:spPr/>
+        <p:txBody>
+          <a:bodyPr/>
+          <a:lstStyle/>
+          <a:p>
+            <a:endParaRPr lang="en-US"/>
+          </a:p>
+        </p:txBody>
+      </p:sp>
+    </p:spTree>
+    <p:extLst>
+      <p:ext uri="{BB962C8B-B14F-4D97-AF65-F5344CB8AC3E}">
+        <p14:creationId xmlns:p14="http://schemas.microsoft.com/office/powerpoint/2010/main" val="1636979884"/>
+      </p:ext>
+    </p:extLst>
+  </p:cSld>
+  <p:clrMapOvr>
+    <a:masterClrMapping/>
+  </p:clrMapOvr>
+</p:sld>
+</file>
+
+<file path=ppt/slides/slide18.xml><?xml version="1.0" encoding="utf-8"?>
+<p:sld xmlns:a="http://schemas.openxmlformats.org/drawingml/2006/main" xmlns:r="http://schemas.openxmlformats.org/officeDocument/2006/relationships" xmlns:p="http://schemas.openxmlformats.org/presentationml/2006/main">
+  <p:cSld>
+    <p:spTree>
+      <p:nvGrpSpPr>
+        <p:cNvPr id="1" name=""/>
+        <p:cNvGrpSpPr/>
+        <p:nvPr/>
+      </p:nvGrpSpPr>
+      <p:grpSpPr>
+        <a:xfrm>
+          <a:off x="0" y="0"/>
+          <a:ext cx="0" cy="0"/>
+          <a:chOff x="0" y="0"/>
+          <a:chExt cx="0" cy="0"/>
+        </a:xfrm>
+      </p:grpSpPr>
+      <p:sp>
+        <p:nvSpPr>
+          <p:cNvPr id="2" name="Title 1"/>
+          <p:cNvSpPr>
+            <a:spLocks noGrp="1"/>
+          </p:cNvSpPr>
+          <p:nvPr>
+            <p:ph type="title"/>
+          </p:nvPr>
+        </p:nvSpPr>
+        <p:spPr/>
+        <p:txBody>
+          <a:bodyPr/>
+          <a:lstStyle/>
+          <a:p>
+            <a:r>
+              <a:rPr lang="en-US" dirty="0" smtClean="0"/>
+              <a:t>BLOCK_GROUP_ITEM</a:t>
+            </a:r>
+            <a:endParaRPr lang="en-US" dirty="0"/>
+          </a:p>
+        </p:txBody>
+      </p:sp>
+      <p:sp>
+        <p:nvSpPr>
+          <p:cNvPr id="3" name="Content Placeholder 2"/>
+          <p:cNvSpPr>
+            <a:spLocks noGrp="1"/>
+          </p:cNvSpPr>
+          <p:nvPr>
+            <p:ph idx="1"/>
+          </p:nvPr>
+        </p:nvSpPr>
+        <p:spPr/>
+        <p:txBody>
+          <a:bodyPr/>
+          <a:lstStyle/>
+          <a:p>
+            <a:r>
+              <a:rPr lang="en-US" dirty="0" smtClean="0"/>
+              <a:t>Item in extent tree</a:t>
+            </a:r>
+          </a:p>
+          <a:p>
+            <a:r>
+              <a:rPr lang="en-US" dirty="0" smtClean="0"/>
+              <a:t>1-1 mapping to chunk object</a:t>
+            </a:r>
+          </a:p>
+          <a:p>
+            <a:r>
+              <a:rPr lang="en-US" dirty="0"/>
+              <a:t>Each block group can only store a specific type of extent. </a:t>
+            </a:r>
+            <a:endParaRPr lang="en-US" dirty="0" smtClean="0"/>
+          </a:p>
+          <a:p>
+            <a:pPr lvl="1"/>
+            <a:r>
+              <a:rPr lang="en-US" dirty="0" smtClean="0"/>
+              <a:t>This </a:t>
+            </a:r>
+            <a:r>
+              <a:rPr lang="en-US" dirty="0"/>
+              <a:t>might include metadata, or mirrored metadata, or striped data blocks etc.</a:t>
+            </a:r>
+            <a:endParaRPr lang="en-US" dirty="0"/>
+          </a:p>
+        </p:txBody>
+      </p:sp>
+    </p:spTree>
+    <p:extLst>
+      <p:ext uri="{BB962C8B-B14F-4D97-AF65-F5344CB8AC3E}">
+        <p14:creationId xmlns:p14="http://schemas.microsoft.com/office/powerpoint/2010/main" val="4292138301"/>
+      </p:ext>
+    </p:extLst>
+  </p:cSld>
+  <p:clrMapOvr>
+    <a:masterClrMapping/>
+  </p:clrMapOvr>
+</p:sld>
+</file>
+
 <file path=ppt/slides/slide2.xml><?xml version="1.0" encoding="utf-8"?>
 <p:sld xmlns:a="http://schemas.openxmlformats.org/drawingml/2006/main" xmlns:r="http://schemas.openxmlformats.org/officeDocument/2006/relationships" xmlns:p="http://schemas.openxmlformats.org/presentationml/2006/main">
   <p:cSld>
@@ -3213,12 +4160,8 @@
           <a:lstStyle/>
           <a:p>
             <a:r>
-              <a:rPr lang="en-US" dirty="0" err="1" smtClean="0"/>
-              <a:t>Btrfs</a:t>
-            </a:r>
-            <a:r>
-              <a:rPr lang="en-US" dirty="0" smtClean="0"/>
-              <a:t> and </a:t>
+              <a:rPr lang="en-US" dirty="0" smtClean="0"/>
+              <a:t>Btrfs and </a:t>
             </a:r>
             <a:r>
               <a:rPr lang="en-US" dirty="0"/>
@@ -3226,8 +4169,13 @@
             </a:r>
             <a:r>
               <a:rPr lang="en-US" dirty="0" smtClean="0"/>
-              <a:t>inux file system</a:t>
-            </a:r>
+              <a:t>inux file </a:t>
+            </a:r>
+            <a:r>
+              <a:rPr lang="en-US" dirty="0" smtClean="0"/>
+              <a:t>systems</a:t>
+            </a:r>
+            <a:endParaRPr lang="en-US" dirty="0" smtClean="0"/>
           </a:p>
           <a:p>
             <a:r>
@@ -3295,7 +4243,11 @@
           <a:bodyPr/>
           <a:lstStyle/>
           <a:p>
-            <a:endParaRPr lang="en-US"/>
+            <a:r>
+              <a:rPr lang="en-US" dirty="0" smtClean="0"/>
+              <a:t>File Systems</a:t>
+            </a:r>
+            <a:endParaRPr lang="en-US" dirty="0"/>
           </a:p>
         </p:txBody>
       </p:sp>
@@ -3316,25 +4268,49 @@
           <a:p>
             <a:r>
               <a:rPr lang="en-US" dirty="0" smtClean="0"/>
-              <a:t>General purpose file system</a:t>
-            </a:r>
-          </a:p>
-          <a:p>
-            <a:r>
-              <a:rPr lang="en-US" dirty="0" smtClean="0"/>
-              <a:t>Ext4, XFS, </a:t>
+              <a:t>Linux general </a:t>
+            </a:r>
+            <a:r>
+              <a:rPr lang="en-US" dirty="0" smtClean="0"/>
+              <a:t>purpose file system</a:t>
+            </a:r>
+          </a:p>
+          <a:p>
+            <a:pPr lvl="1"/>
+            <a:r>
+              <a:rPr lang="en-US" dirty="0" smtClean="0"/>
+              <a:t>Ext4</a:t>
+            </a:r>
+            <a:endParaRPr lang="en-US" dirty="0"/>
+          </a:p>
+          <a:p>
+            <a:pPr lvl="1"/>
+            <a:r>
+              <a:rPr lang="en-US" dirty="0" smtClean="0"/>
+              <a:t>XFS</a:t>
+            </a:r>
+          </a:p>
+          <a:p>
+            <a:pPr lvl="1"/>
+            <a:r>
+              <a:rPr lang="en-US" dirty="0" err="1"/>
+              <a:t>R</a:t>
             </a:r>
             <a:r>
               <a:rPr lang="en-US" dirty="0" err="1" smtClean="0"/>
-              <a:t>reiserfs</a:t>
-            </a:r>
-            <a:r>
-              <a:rPr lang="en-US" dirty="0" smtClean="0"/>
-              <a:t>, </a:t>
-            </a:r>
-            <a:r>
-              <a:rPr lang="en-US" dirty="0" err="1" smtClean="0"/>
-              <a:t>btrfs</a:t>
+              <a:t>eiserfs</a:t>
+            </a:r>
+            <a:endParaRPr lang="en-US" dirty="0" smtClean="0"/>
+          </a:p>
+          <a:p>
+            <a:pPr lvl="1"/>
+            <a:r>
+              <a:rPr lang="en-US" dirty="0"/>
+              <a:t>B</a:t>
+            </a:r>
+            <a:r>
+              <a:rPr lang="en-US" dirty="0" smtClean="0"/>
+              <a:t>trfs</a:t>
             </a:r>
             <a:endParaRPr lang="en-US" dirty="0" smtClean="0"/>
           </a:p>
@@ -3550,12 +4526,8 @@
           <a:lstStyle/>
           <a:p>
             <a:r>
-              <a:rPr lang="en-US" dirty="0" err="1" smtClean="0"/>
-              <a:t>Btrfs</a:t>
-            </a:r>
-            <a:r>
-              <a:rPr lang="en-US" dirty="0" smtClean="0"/>
-              <a:t> offers</a:t>
+              <a:rPr lang="en-US" dirty="0" smtClean="0"/>
+              <a:t>Btrfs offers</a:t>
             </a:r>
             <a:endParaRPr lang="en-US" dirty="0"/>
           </a:p>
@@ -3974,12 +4946,18 @@
               <a:t>Chris Mason liked the idea of COW friendly </a:t>
             </a:r>
             <a:r>
-              <a:rPr lang="en-US" dirty="0" err="1"/>
-              <a:t>Btrees</a:t>
+              <a:rPr lang="en-US" dirty="0" smtClean="0"/>
+              <a:t>B-trees </a:t>
+            </a:r>
+          </a:p>
+          <a:p>
+            <a:r>
+              <a:rPr lang="en-US" dirty="0" smtClean="0"/>
+              <a:t>Lot </a:t>
             </a:r>
             <a:r>
               <a:rPr lang="en-US" dirty="0"/>
-              <a:t> Lot of previous experience from </a:t>
+              <a:t>of previous experience from </a:t>
             </a:r>
             <a:r>
               <a:rPr lang="en-US" dirty="0" err="1" smtClean="0"/>
@@ -4007,6 +4985,7 @@
             <a:endParaRPr lang="en-US" dirty="0" smtClean="0"/>
           </a:p>
           <a:p>
+            <a:pPr lvl="1"/>
             <a:r>
               <a:rPr lang="en-US" dirty="0"/>
               <a:t>COW advantages for free </a:t>
@@ -4065,6 +5044,122 @@
           <a:p>
             <a:r>
               <a:rPr lang="en-US" dirty="0" smtClean="0"/>
+              <a:t>Searching Data Structure</a:t>
+            </a:r>
+            <a:endParaRPr lang="en-US" dirty="0"/>
+          </a:p>
+        </p:txBody>
+      </p:sp>
+      <p:sp>
+        <p:nvSpPr>
+          <p:cNvPr id="3" name="Content Placeholder 2"/>
+          <p:cNvSpPr>
+            <a:spLocks noGrp="1"/>
+          </p:cNvSpPr>
+          <p:nvPr>
+            <p:ph idx="1"/>
+          </p:nvPr>
+        </p:nvSpPr>
+        <p:spPr/>
+        <p:txBody>
+          <a:bodyPr/>
+          <a:lstStyle/>
+          <a:p>
+            <a:r>
+              <a:rPr lang="en-US" dirty="0" smtClean="0"/>
+              <a:t>In memory</a:t>
+            </a:r>
+          </a:p>
+          <a:p>
+            <a:pPr lvl="1"/>
+            <a:r>
+              <a:rPr lang="en-US" dirty="0" smtClean="0"/>
+              <a:t>Array</a:t>
+            </a:r>
+          </a:p>
+          <a:p>
+            <a:pPr lvl="1"/>
+            <a:r>
+              <a:rPr lang="en-US" dirty="0" smtClean="0"/>
+              <a:t>Binary search tree</a:t>
+            </a:r>
+          </a:p>
+          <a:p>
+            <a:pPr lvl="1"/>
+            <a:r>
+              <a:rPr lang="en-US" dirty="0" smtClean="0"/>
+              <a:t>Hash table</a:t>
+            </a:r>
+          </a:p>
+          <a:p>
+            <a:pPr lvl="1"/>
+            <a:r>
+              <a:rPr lang="en-US" dirty="0" smtClean="0"/>
+              <a:t>Heap</a:t>
+            </a:r>
+          </a:p>
+          <a:p>
+            <a:r>
+              <a:rPr lang="en-US" dirty="0" smtClean="0"/>
+              <a:t>On disk</a:t>
+            </a:r>
+          </a:p>
+          <a:p>
+            <a:pPr lvl="1"/>
+            <a:r>
+              <a:rPr lang="en-US" dirty="0" smtClean="0"/>
+              <a:t>B-tree</a:t>
+            </a:r>
+          </a:p>
+        </p:txBody>
+      </p:sp>
+    </p:spTree>
+    <p:extLst>
+      <p:ext uri="{BB962C8B-B14F-4D97-AF65-F5344CB8AC3E}">
+        <p14:creationId xmlns:p14="http://schemas.microsoft.com/office/powerpoint/2010/main" val="656646399"/>
+      </p:ext>
+    </p:extLst>
+  </p:cSld>
+  <p:clrMapOvr>
+    <a:masterClrMapping/>
+  </p:clrMapOvr>
+</p:sld>
+</file>
+
+<file path=ppt/slides/slide9.xml><?xml version="1.0" encoding="utf-8"?>
+<p:sld xmlns:a="http://schemas.openxmlformats.org/drawingml/2006/main" xmlns:r="http://schemas.openxmlformats.org/officeDocument/2006/relationships" xmlns:p="http://schemas.openxmlformats.org/presentationml/2006/main">
+  <p:cSld>
+    <p:spTree>
+      <p:nvGrpSpPr>
+        <p:cNvPr id="1" name=""/>
+        <p:cNvGrpSpPr/>
+        <p:nvPr/>
+      </p:nvGrpSpPr>
+      <p:grpSpPr>
+        <a:xfrm>
+          <a:off x="0" y="0"/>
+          <a:ext cx="0" cy="0"/>
+          <a:chOff x="0" y="0"/>
+          <a:chExt cx="0" cy="0"/>
+        </a:xfrm>
+      </p:grpSpPr>
+      <p:sp>
+        <p:nvSpPr>
+          <p:cNvPr id="2" name="Title 1"/>
+          <p:cNvSpPr>
+            <a:spLocks noGrp="1"/>
+          </p:cNvSpPr>
+          <p:nvPr>
+            <p:ph type="title"/>
+          </p:nvPr>
+        </p:nvSpPr>
+        <p:spPr/>
+        <p:txBody>
+          <a:bodyPr/>
+          <a:lstStyle/>
+          <a:p>
+            <a:r>
+              <a:rPr lang="en-US" dirty="0" smtClean="0"/>
               <a:t>BTREE</a:t>
             </a:r>
             <a:endParaRPr lang="en-US" dirty="0"/>
@@ -4086,10 +5181,50 @@
           <a:bodyPr/>
           <a:lstStyle/>
           <a:p>
-            <a:endParaRPr lang="en-US"/>
-          </a:p>
-        </p:txBody>
-      </p:sp>
+            <a:r>
+              <a:rPr lang="en-US" dirty="0" smtClean="0"/>
+              <a:t>High order (fan-out)</a:t>
+            </a:r>
+          </a:p>
+          <a:p>
+            <a:r>
+              <a:rPr lang="en-US" dirty="0" smtClean="0"/>
+              <a:t>Low tree height</a:t>
+            </a:r>
+          </a:p>
+          <a:p>
+            <a:r>
+              <a:rPr lang="en-US" dirty="0" smtClean="0"/>
+              <a:t>Suitable for secondary storage</a:t>
+            </a:r>
+            <a:endParaRPr lang="en-US" dirty="0"/>
+          </a:p>
+        </p:txBody>
+      </p:sp>
+      <p:pic>
+        <p:nvPicPr>
+          <p:cNvPr id="6" name="Picture 5"/>
+          <p:cNvPicPr>
+            <a:picLocks noChangeAspect="1"/>
+          </p:cNvPicPr>
+          <p:nvPr/>
+        </p:nvPicPr>
+        <p:blipFill>
+          <a:blip r:embed="rId2"/>
+          <a:stretch>
+            <a:fillRect/>
+          </a:stretch>
+        </p:blipFill>
+        <p:spPr>
+          <a:xfrm>
+            <a:off x="2032000" y="4475163"/>
+            <a:ext cx="5080000" cy="1409700"/>
+          </a:xfrm>
+          <a:prstGeom prst="rect">
+            <a:avLst/>
+          </a:prstGeom>
+        </p:spPr>
+      </p:pic>
     </p:spTree>
     <p:extLst>
       <p:ext uri="{BB962C8B-B14F-4D97-AF65-F5344CB8AC3E}">

--- a/Bacik.pptx
+++ b/Bacik.pptx
@@ -20,9 +20,14 @@
     <p:sldId id="269" r:id="rId14"/>
     <p:sldId id="272" r:id="rId15"/>
     <p:sldId id="270" r:id="rId16"/>
-    <p:sldId id="265" r:id="rId17"/>
-    <p:sldId id="267" r:id="rId18"/>
-    <p:sldId id="273" r:id="rId19"/>
+    <p:sldId id="276" r:id="rId17"/>
+    <p:sldId id="277" r:id="rId18"/>
+    <p:sldId id="278" r:id="rId19"/>
+    <p:sldId id="265" r:id="rId20"/>
+    <p:sldId id="267" r:id="rId21"/>
+    <p:sldId id="273" r:id="rId22"/>
+    <p:sldId id="274" r:id="rId23"/>
+    <p:sldId id="275" r:id="rId24"/>
   </p:sldIdLst>
   <p:sldSz cx="9144000" cy="6858000" type="screen4x3"/>
   <p:notesSz cx="6858000" cy="9144000"/>
@@ -149,9 +154,14 @@
             <p14:sldId id="269"/>
             <p14:sldId id="272"/>
             <p14:sldId id="270"/>
+            <p14:sldId id="276"/>
+            <p14:sldId id="277"/>
+            <p14:sldId id="278"/>
             <p14:sldId id="265"/>
             <p14:sldId id="267"/>
             <p14:sldId id="273"/>
+            <p14:sldId id="274"/>
+            <p14:sldId id="275"/>
           </p14:sldIdLst>
         </p14:section>
       </p14:sectionLst>
@@ -3421,7 +3431,7 @@
           <a:p>
             <a:r>
               <a:rPr lang="en-US" dirty="0" smtClean="0"/>
-              <a:t>Key Numbers</a:t>
+              <a:t>Terminologies</a:t>
             </a:r>
             <a:endParaRPr lang="en-US" dirty="0"/>
           </a:p>
@@ -3444,7 +3454,47 @@
           <a:p>
             <a:r>
               <a:rPr lang="en-US" dirty="0" smtClean="0"/>
-              <a:t>Node size – 4KB</a:t>
+              <a:t>Page, Block, Node</a:t>
+            </a:r>
+          </a:p>
+          <a:p>
+            <a:pPr lvl="1"/>
+            <a:r>
+              <a:rPr lang="en-US" dirty="0" smtClean="0"/>
+              <a:t>4KB</a:t>
+            </a:r>
+          </a:p>
+          <a:p>
+            <a:r>
+              <a:rPr lang="en-US" dirty="0" smtClean="0"/>
+              <a:t>Extent</a:t>
+            </a:r>
+          </a:p>
+          <a:p>
+            <a:pPr lvl="1"/>
+            <a:r>
+              <a:rPr lang="en-US" dirty="0" smtClean="0"/>
+              <a:t>Page-aligned contiguous on-disk area</a:t>
+            </a:r>
+          </a:p>
+          <a:p>
+            <a:r>
+              <a:rPr lang="en-US" dirty="0" smtClean="0"/>
+              <a:t>Copy-on-Write (COW)</a:t>
+            </a:r>
+          </a:p>
+          <a:p>
+            <a:pPr lvl="1"/>
+            <a:r>
+              <a:rPr lang="en-US" dirty="0" smtClean="0"/>
+              <a:t>Create a version of an extent/page at a different location</a:t>
+            </a:r>
+          </a:p>
+          <a:p>
+            <a:pPr lvl="1"/>
+            <a:r>
+              <a:rPr lang="en-US" dirty="0" smtClean="0"/>
+              <a:t>No write-in-place</a:t>
             </a:r>
             <a:endParaRPr lang="en-US" dirty="0"/>
           </a:p>
@@ -3870,6 +3920,306 @@
           <a:p>
             <a:r>
               <a:rPr lang="en-US" dirty="0" smtClean="0"/>
+              <a:t>Forest</a:t>
+            </a:r>
+            <a:endParaRPr lang="en-US" dirty="0"/>
+          </a:p>
+        </p:txBody>
+      </p:sp>
+      <p:sp>
+        <p:nvSpPr>
+          <p:cNvPr id="3" name="Content Placeholder 2"/>
+          <p:cNvSpPr>
+            <a:spLocks noGrp="1"/>
+          </p:cNvSpPr>
+          <p:nvPr>
+            <p:ph idx="1"/>
+          </p:nvPr>
+        </p:nvSpPr>
+        <p:spPr>
+          <a:xfrm>
+            <a:off x="457200" y="1600200"/>
+            <a:ext cx="8229600" cy="4991100"/>
+          </a:xfrm>
+        </p:spPr>
+        <p:txBody>
+          <a:bodyPr/>
+          <a:lstStyle/>
+          <a:p>
+            <a:r>
+              <a:rPr lang="en-US" dirty="0" smtClean="0"/>
+              <a:t>Whole FS is a forest of B-trees</a:t>
+            </a:r>
+          </a:p>
+          <a:p>
+            <a:r>
+              <a:rPr lang="en-US" dirty="0" smtClean="0"/>
+              <a:t>Everything is reachable from the superblock</a:t>
+            </a:r>
+          </a:p>
+          <a:p>
+            <a:pPr lvl="1"/>
+            <a:r>
+              <a:rPr lang="en-US" dirty="0" smtClean="0"/>
+              <a:t>Superblock</a:t>
+            </a:r>
+          </a:p>
+          <a:p>
+            <a:pPr lvl="1"/>
+            <a:r>
+              <a:rPr lang="en-US" dirty="0" smtClean="0"/>
+              <a:t>Tree of tree roots</a:t>
+            </a:r>
+          </a:p>
+          <a:p>
+            <a:pPr lvl="2"/>
+            <a:r>
+              <a:rPr lang="en-US" dirty="0" smtClean="0"/>
+              <a:t>File/FS tree</a:t>
+            </a:r>
+          </a:p>
+          <a:p>
+            <a:pPr lvl="2"/>
+            <a:r>
+              <a:rPr lang="en-US" dirty="0"/>
+              <a:t>Extent tree</a:t>
+            </a:r>
+          </a:p>
+          <a:p>
+            <a:pPr lvl="2"/>
+            <a:r>
+              <a:rPr lang="en-US" dirty="0" smtClean="0"/>
+              <a:t>Device and Chunk tree</a:t>
+            </a:r>
+          </a:p>
+          <a:p>
+            <a:pPr lvl="2"/>
+            <a:r>
+              <a:rPr lang="en-US" dirty="0" err="1" smtClean="0"/>
+              <a:t>Reloc</a:t>
+            </a:r>
+            <a:r>
+              <a:rPr lang="en-US" dirty="0" smtClean="0"/>
+              <a:t> tree</a:t>
+            </a:r>
+          </a:p>
+          <a:p>
+            <a:pPr lvl="2"/>
+            <a:r>
+              <a:rPr lang="en-US" dirty="0" smtClean="0"/>
+              <a:t>Checksum tree</a:t>
+            </a:r>
+          </a:p>
+          <a:p>
+            <a:pPr lvl="2"/>
+            <a:r>
+              <a:rPr lang="en-US" dirty="0" smtClean="0"/>
+              <a:t>Log tree</a:t>
+            </a:r>
+          </a:p>
+        </p:txBody>
+      </p:sp>
+    </p:spTree>
+    <p:extLst>
+      <p:ext uri="{BB962C8B-B14F-4D97-AF65-F5344CB8AC3E}">
+        <p14:creationId xmlns:p14="http://schemas.microsoft.com/office/powerpoint/2010/main" val="3063614006"/>
+      </p:ext>
+    </p:extLst>
+  </p:cSld>
+  <p:clrMapOvr>
+    <a:masterClrMapping/>
+  </p:clrMapOvr>
+</p:sld>
+</file>
+
+<file path=ppt/slides/slide17.xml><?xml version="1.0" encoding="utf-8"?>
+<p:sld xmlns:a="http://schemas.openxmlformats.org/drawingml/2006/main" xmlns:r="http://schemas.openxmlformats.org/officeDocument/2006/relationships" xmlns:p="http://schemas.openxmlformats.org/presentationml/2006/main">
+  <p:cSld>
+    <p:spTree>
+      <p:nvGrpSpPr>
+        <p:cNvPr id="1" name=""/>
+        <p:cNvGrpSpPr/>
+        <p:nvPr/>
+      </p:nvGrpSpPr>
+      <p:grpSpPr>
+        <a:xfrm>
+          <a:off x="0" y="0"/>
+          <a:ext cx="0" cy="0"/>
+          <a:chOff x="0" y="0"/>
+          <a:chExt cx="0" cy="0"/>
+        </a:xfrm>
+      </p:grpSpPr>
+      <p:sp>
+        <p:nvSpPr>
+          <p:cNvPr id="2" name="Title 1"/>
+          <p:cNvSpPr>
+            <a:spLocks noGrp="1"/>
+          </p:cNvSpPr>
+          <p:nvPr>
+            <p:ph type="title"/>
+          </p:nvPr>
+        </p:nvSpPr>
+        <p:spPr/>
+        <p:txBody>
+          <a:bodyPr/>
+          <a:lstStyle/>
+          <a:p>
+            <a:r>
+              <a:rPr lang="en-US" dirty="0" smtClean="0"/>
+              <a:t>Forest of Trees</a:t>
+            </a:r>
+            <a:endParaRPr lang="en-US" dirty="0"/>
+          </a:p>
+        </p:txBody>
+      </p:sp>
+      <p:pic>
+        <p:nvPicPr>
+          <p:cNvPr id="5" name="Picture 4"/>
+          <p:cNvPicPr>
+            <a:picLocks noChangeAspect="1"/>
+          </p:cNvPicPr>
+          <p:nvPr/>
+        </p:nvPicPr>
+        <p:blipFill>
+          <a:blip r:embed="rId2"/>
+          <a:stretch>
+            <a:fillRect/>
+          </a:stretch>
+        </p:blipFill>
+        <p:spPr>
+          <a:xfrm>
+            <a:off x="476359" y="1547654"/>
+            <a:ext cx="7605485" cy="4573746"/>
+          </a:xfrm>
+          <a:prstGeom prst="rect">
+            <a:avLst/>
+          </a:prstGeom>
+        </p:spPr>
+      </p:pic>
+    </p:spTree>
+    <p:extLst>
+      <p:ext uri="{BB962C8B-B14F-4D97-AF65-F5344CB8AC3E}">
+        <p14:creationId xmlns:p14="http://schemas.microsoft.com/office/powerpoint/2010/main" val="3874076522"/>
+      </p:ext>
+    </p:extLst>
+  </p:cSld>
+  <p:clrMapOvr>
+    <a:masterClrMapping/>
+  </p:clrMapOvr>
+</p:sld>
+</file>
+
+<file path=ppt/slides/slide18.xml><?xml version="1.0" encoding="utf-8"?>
+<p:sld xmlns:a="http://schemas.openxmlformats.org/drawingml/2006/main" xmlns:r="http://schemas.openxmlformats.org/officeDocument/2006/relationships" xmlns:p="http://schemas.openxmlformats.org/presentationml/2006/main">
+  <p:cSld>
+    <p:spTree>
+      <p:nvGrpSpPr>
+        <p:cNvPr id="1" name=""/>
+        <p:cNvGrpSpPr/>
+        <p:nvPr/>
+      </p:nvGrpSpPr>
+      <p:grpSpPr>
+        <a:xfrm>
+          <a:off x="0" y="0"/>
+          <a:ext cx="0" cy="0"/>
+          <a:chOff x="0" y="0"/>
+          <a:chExt cx="0" cy="0"/>
+        </a:xfrm>
+      </p:grpSpPr>
+      <p:sp>
+        <p:nvSpPr>
+          <p:cNvPr id="2" name="Title 1"/>
+          <p:cNvSpPr>
+            <a:spLocks noGrp="1"/>
+          </p:cNvSpPr>
+          <p:nvPr>
+            <p:ph type="title"/>
+          </p:nvPr>
+        </p:nvSpPr>
+        <p:spPr/>
+        <p:txBody>
+          <a:bodyPr/>
+          <a:lstStyle/>
+          <a:p>
+            <a:r>
+              <a:rPr lang="en-US" dirty="0" smtClean="0"/>
+              <a:t>Updating Forest</a:t>
+            </a:r>
+            <a:endParaRPr lang="en-US" dirty="0"/>
+          </a:p>
+        </p:txBody>
+      </p:sp>
+      <p:pic>
+        <p:nvPicPr>
+          <p:cNvPr id="4" name="Picture 3"/>
+          <p:cNvPicPr>
+            <a:picLocks noChangeAspect="1"/>
+          </p:cNvPicPr>
+          <p:nvPr/>
+        </p:nvPicPr>
+        <p:blipFill>
+          <a:blip r:embed="rId2"/>
+          <a:stretch>
+            <a:fillRect/>
+          </a:stretch>
+        </p:blipFill>
+        <p:spPr>
+          <a:xfrm>
+            <a:off x="-29685" y="1955800"/>
+            <a:ext cx="9092148" cy="4152900"/>
+          </a:xfrm>
+          <a:prstGeom prst="rect">
+            <a:avLst/>
+          </a:prstGeom>
+        </p:spPr>
+      </p:pic>
+    </p:spTree>
+    <p:extLst>
+      <p:ext uri="{BB962C8B-B14F-4D97-AF65-F5344CB8AC3E}">
+        <p14:creationId xmlns:p14="http://schemas.microsoft.com/office/powerpoint/2010/main" val="1655875648"/>
+      </p:ext>
+    </p:extLst>
+  </p:cSld>
+  <p:clrMapOvr>
+    <a:masterClrMapping/>
+  </p:clrMapOvr>
+</p:sld>
+</file>
+
+<file path=ppt/slides/slide19.xml><?xml version="1.0" encoding="utf-8"?>
+<p:sld xmlns:a="http://schemas.openxmlformats.org/drawingml/2006/main" xmlns:r="http://schemas.openxmlformats.org/officeDocument/2006/relationships" xmlns:p="http://schemas.openxmlformats.org/presentationml/2006/main">
+  <p:cSld>
+    <p:spTree>
+      <p:nvGrpSpPr>
+        <p:cNvPr id="1" name=""/>
+        <p:cNvGrpSpPr/>
+        <p:nvPr/>
+      </p:nvGrpSpPr>
+      <p:grpSpPr>
+        <a:xfrm>
+          <a:off x="0" y="0"/>
+          <a:ext cx="0" cy="0"/>
+          <a:chOff x="0" y="0"/>
+          <a:chExt cx="0" cy="0"/>
+        </a:xfrm>
+      </p:grpSpPr>
+      <p:sp>
+        <p:nvSpPr>
+          <p:cNvPr id="2" name="Title 1"/>
+          <p:cNvSpPr>
+            <a:spLocks noGrp="1"/>
+          </p:cNvSpPr>
+          <p:nvPr>
+            <p:ph type="title"/>
+          </p:nvPr>
+        </p:nvSpPr>
+        <p:spPr/>
+        <p:txBody>
+          <a:bodyPr/>
+          <a:lstStyle/>
+          <a:p>
+            <a:r>
+              <a:rPr lang="en-US" dirty="0" smtClean="0"/>
               <a:t>Directories</a:t>
             </a:r>
             <a:endParaRPr lang="en-US" dirty="0"/>
@@ -3932,178 +4282,6 @@
 </p:sld>
 </file>
 
-<file path=ppt/slides/slide17.xml><?xml version="1.0" encoding="utf-8"?>
-<p:sld xmlns:a="http://schemas.openxmlformats.org/drawingml/2006/main" xmlns:r="http://schemas.openxmlformats.org/officeDocument/2006/relationships" xmlns:p="http://schemas.openxmlformats.org/presentationml/2006/main">
-  <p:cSld>
-    <p:spTree>
-      <p:nvGrpSpPr>
-        <p:cNvPr id="1" name=""/>
-        <p:cNvGrpSpPr/>
-        <p:nvPr/>
-      </p:nvGrpSpPr>
-      <p:grpSpPr>
-        <a:xfrm>
-          <a:off x="0" y="0"/>
-          <a:ext cx="0" cy="0"/>
-          <a:chOff x="0" y="0"/>
-          <a:chExt cx="0" cy="0"/>
-        </a:xfrm>
-      </p:grpSpPr>
-      <p:sp>
-        <p:nvSpPr>
-          <p:cNvPr id="2" name="Title 1"/>
-          <p:cNvSpPr>
-            <a:spLocks noGrp="1"/>
-          </p:cNvSpPr>
-          <p:nvPr>
-            <p:ph type="title"/>
-          </p:nvPr>
-        </p:nvSpPr>
-        <p:spPr/>
-        <p:txBody>
-          <a:bodyPr/>
-          <a:lstStyle/>
-          <a:p>
-            <a:r>
-              <a:rPr lang="en-US" dirty="0" err="1" smtClean="0"/>
-              <a:t>Subvolume</a:t>
-            </a:r>
-            <a:endParaRPr lang="en-US" dirty="0"/>
-          </a:p>
-        </p:txBody>
-      </p:sp>
-      <p:sp>
-        <p:nvSpPr>
-          <p:cNvPr id="3" name="Content Placeholder 2"/>
-          <p:cNvSpPr>
-            <a:spLocks noGrp="1"/>
-          </p:cNvSpPr>
-          <p:nvPr>
-            <p:ph idx="1"/>
-          </p:nvPr>
-        </p:nvSpPr>
-        <p:spPr/>
-        <p:txBody>
-          <a:bodyPr/>
-          <a:lstStyle/>
-          <a:p>
-            <a:endParaRPr lang="en-US"/>
-          </a:p>
-        </p:txBody>
-      </p:sp>
-    </p:spTree>
-    <p:extLst>
-      <p:ext uri="{BB962C8B-B14F-4D97-AF65-F5344CB8AC3E}">
-        <p14:creationId xmlns:p14="http://schemas.microsoft.com/office/powerpoint/2010/main" val="1636979884"/>
-      </p:ext>
-    </p:extLst>
-  </p:cSld>
-  <p:clrMapOvr>
-    <a:masterClrMapping/>
-  </p:clrMapOvr>
-</p:sld>
-</file>
-
-<file path=ppt/slides/slide18.xml><?xml version="1.0" encoding="utf-8"?>
-<p:sld xmlns:a="http://schemas.openxmlformats.org/drawingml/2006/main" xmlns:r="http://schemas.openxmlformats.org/officeDocument/2006/relationships" xmlns:p="http://schemas.openxmlformats.org/presentationml/2006/main">
-  <p:cSld>
-    <p:spTree>
-      <p:nvGrpSpPr>
-        <p:cNvPr id="1" name=""/>
-        <p:cNvGrpSpPr/>
-        <p:nvPr/>
-      </p:nvGrpSpPr>
-      <p:grpSpPr>
-        <a:xfrm>
-          <a:off x="0" y="0"/>
-          <a:ext cx="0" cy="0"/>
-          <a:chOff x="0" y="0"/>
-          <a:chExt cx="0" cy="0"/>
-        </a:xfrm>
-      </p:grpSpPr>
-      <p:sp>
-        <p:nvSpPr>
-          <p:cNvPr id="2" name="Title 1"/>
-          <p:cNvSpPr>
-            <a:spLocks noGrp="1"/>
-          </p:cNvSpPr>
-          <p:nvPr>
-            <p:ph type="title"/>
-          </p:nvPr>
-        </p:nvSpPr>
-        <p:spPr/>
-        <p:txBody>
-          <a:bodyPr/>
-          <a:lstStyle/>
-          <a:p>
-            <a:r>
-              <a:rPr lang="en-US" dirty="0" smtClean="0"/>
-              <a:t>BLOCK_GROUP_ITEM</a:t>
-            </a:r>
-            <a:endParaRPr lang="en-US" dirty="0"/>
-          </a:p>
-        </p:txBody>
-      </p:sp>
-      <p:sp>
-        <p:nvSpPr>
-          <p:cNvPr id="3" name="Content Placeholder 2"/>
-          <p:cNvSpPr>
-            <a:spLocks noGrp="1"/>
-          </p:cNvSpPr>
-          <p:nvPr>
-            <p:ph idx="1"/>
-          </p:nvPr>
-        </p:nvSpPr>
-        <p:spPr/>
-        <p:txBody>
-          <a:bodyPr/>
-          <a:lstStyle/>
-          <a:p>
-            <a:r>
-              <a:rPr lang="en-US" dirty="0" smtClean="0"/>
-              <a:t>Item in extent tree</a:t>
-            </a:r>
-          </a:p>
-          <a:p>
-            <a:r>
-              <a:rPr lang="en-US" dirty="0" smtClean="0"/>
-              <a:t>1-1 mapping to chunk object</a:t>
-            </a:r>
-          </a:p>
-          <a:p>
-            <a:r>
-              <a:rPr lang="en-US" dirty="0"/>
-              <a:t>Each block group can only store a specific type of extent. </a:t>
-            </a:r>
-            <a:endParaRPr lang="en-US" dirty="0" smtClean="0"/>
-          </a:p>
-          <a:p>
-            <a:pPr lvl="1"/>
-            <a:r>
-              <a:rPr lang="en-US" dirty="0" smtClean="0"/>
-              <a:t>This </a:t>
-            </a:r>
-            <a:r>
-              <a:rPr lang="en-US" dirty="0"/>
-              <a:t>might include metadata, or mirrored metadata, or striped data blocks etc.</a:t>
-            </a:r>
-            <a:endParaRPr lang="en-US" dirty="0"/>
-          </a:p>
-        </p:txBody>
-      </p:sp>
-    </p:spTree>
-    <p:extLst>
-      <p:ext uri="{BB962C8B-B14F-4D97-AF65-F5344CB8AC3E}">
-        <p14:creationId xmlns:p14="http://schemas.microsoft.com/office/powerpoint/2010/main" val="4292138301"/>
-      </p:ext>
-    </p:extLst>
-  </p:cSld>
-  <p:clrMapOvr>
-    <a:masterClrMapping/>
-  </p:clrMapOvr>
-</p:sld>
-</file>
-
 <file path=ppt/slides/slide2.xml><?xml version="1.0" encoding="utf-8"?>
 <p:sld xmlns:a="http://schemas.openxmlformats.org/drawingml/2006/main" xmlns:r="http://schemas.openxmlformats.org/officeDocument/2006/relationships" xmlns:p="http://schemas.openxmlformats.org/presentationml/2006/main">
   <p:cSld>
@@ -4202,6 +4380,318 @@
     <p:extLst>
       <p:ext uri="{BB962C8B-B14F-4D97-AF65-F5344CB8AC3E}">
         <p14:creationId xmlns:p14="http://schemas.microsoft.com/office/powerpoint/2010/main" val="18926095"/>
+      </p:ext>
+    </p:extLst>
+  </p:cSld>
+  <p:clrMapOvr>
+    <a:masterClrMapping/>
+  </p:clrMapOvr>
+</p:sld>
+</file>
+
+<file path=ppt/slides/slide20.xml><?xml version="1.0" encoding="utf-8"?>
+<p:sld xmlns:a="http://schemas.openxmlformats.org/drawingml/2006/main" xmlns:r="http://schemas.openxmlformats.org/officeDocument/2006/relationships" xmlns:p="http://schemas.openxmlformats.org/presentationml/2006/main">
+  <p:cSld>
+    <p:spTree>
+      <p:nvGrpSpPr>
+        <p:cNvPr id="1" name=""/>
+        <p:cNvGrpSpPr/>
+        <p:nvPr/>
+      </p:nvGrpSpPr>
+      <p:grpSpPr>
+        <a:xfrm>
+          <a:off x="0" y="0"/>
+          <a:ext cx="0" cy="0"/>
+          <a:chOff x="0" y="0"/>
+          <a:chExt cx="0" cy="0"/>
+        </a:xfrm>
+      </p:grpSpPr>
+      <p:sp>
+        <p:nvSpPr>
+          <p:cNvPr id="2" name="Title 1"/>
+          <p:cNvSpPr>
+            <a:spLocks noGrp="1"/>
+          </p:cNvSpPr>
+          <p:nvPr>
+            <p:ph type="title"/>
+          </p:nvPr>
+        </p:nvSpPr>
+        <p:spPr/>
+        <p:txBody>
+          <a:bodyPr/>
+          <a:lstStyle/>
+          <a:p>
+            <a:r>
+              <a:rPr lang="en-US" dirty="0" err="1" smtClean="0"/>
+              <a:t>Subvolume</a:t>
+            </a:r>
+            <a:endParaRPr lang="en-US" dirty="0"/>
+          </a:p>
+        </p:txBody>
+      </p:sp>
+      <p:sp>
+        <p:nvSpPr>
+          <p:cNvPr id="3" name="Content Placeholder 2"/>
+          <p:cNvSpPr>
+            <a:spLocks noGrp="1"/>
+          </p:cNvSpPr>
+          <p:nvPr>
+            <p:ph idx="1"/>
+          </p:nvPr>
+        </p:nvSpPr>
+        <p:spPr/>
+        <p:txBody>
+          <a:bodyPr/>
+          <a:lstStyle/>
+          <a:p>
+            <a:endParaRPr lang="en-US"/>
+          </a:p>
+        </p:txBody>
+      </p:sp>
+    </p:spTree>
+    <p:extLst>
+      <p:ext uri="{BB962C8B-B14F-4D97-AF65-F5344CB8AC3E}">
+        <p14:creationId xmlns:p14="http://schemas.microsoft.com/office/powerpoint/2010/main" val="1636979884"/>
+      </p:ext>
+    </p:extLst>
+  </p:cSld>
+  <p:clrMapOvr>
+    <a:masterClrMapping/>
+  </p:clrMapOvr>
+</p:sld>
+</file>
+
+<file path=ppt/slides/slide21.xml><?xml version="1.0" encoding="utf-8"?>
+<p:sld xmlns:a="http://schemas.openxmlformats.org/drawingml/2006/main" xmlns:r="http://schemas.openxmlformats.org/officeDocument/2006/relationships" xmlns:p="http://schemas.openxmlformats.org/presentationml/2006/main">
+  <p:cSld>
+    <p:spTree>
+      <p:nvGrpSpPr>
+        <p:cNvPr id="1" name=""/>
+        <p:cNvGrpSpPr/>
+        <p:nvPr/>
+      </p:nvGrpSpPr>
+      <p:grpSpPr>
+        <a:xfrm>
+          <a:off x="0" y="0"/>
+          <a:ext cx="0" cy="0"/>
+          <a:chOff x="0" y="0"/>
+          <a:chExt cx="0" cy="0"/>
+        </a:xfrm>
+      </p:grpSpPr>
+      <p:sp>
+        <p:nvSpPr>
+          <p:cNvPr id="2" name="Title 1"/>
+          <p:cNvSpPr>
+            <a:spLocks noGrp="1"/>
+          </p:cNvSpPr>
+          <p:nvPr>
+            <p:ph type="title"/>
+          </p:nvPr>
+        </p:nvSpPr>
+        <p:spPr/>
+        <p:txBody>
+          <a:bodyPr/>
+          <a:lstStyle/>
+          <a:p>
+            <a:r>
+              <a:rPr lang="en-US" dirty="0" smtClean="0"/>
+              <a:t>BLOCK_GROUP_ITEM</a:t>
+            </a:r>
+            <a:endParaRPr lang="en-US" dirty="0"/>
+          </a:p>
+        </p:txBody>
+      </p:sp>
+      <p:sp>
+        <p:nvSpPr>
+          <p:cNvPr id="3" name="Content Placeholder 2"/>
+          <p:cNvSpPr>
+            <a:spLocks noGrp="1"/>
+          </p:cNvSpPr>
+          <p:nvPr>
+            <p:ph idx="1"/>
+          </p:nvPr>
+        </p:nvSpPr>
+        <p:spPr/>
+        <p:txBody>
+          <a:bodyPr/>
+          <a:lstStyle/>
+          <a:p>
+            <a:r>
+              <a:rPr lang="en-US" dirty="0" smtClean="0"/>
+              <a:t>Item in extent tree</a:t>
+            </a:r>
+          </a:p>
+          <a:p>
+            <a:r>
+              <a:rPr lang="en-US" dirty="0" smtClean="0"/>
+              <a:t>1-1 mapping to chunk object</a:t>
+            </a:r>
+          </a:p>
+          <a:p>
+            <a:r>
+              <a:rPr lang="en-US" dirty="0"/>
+              <a:t>Each block group can only store a specific type of extent. </a:t>
+            </a:r>
+            <a:endParaRPr lang="en-US" dirty="0" smtClean="0"/>
+          </a:p>
+          <a:p>
+            <a:pPr lvl="1"/>
+            <a:r>
+              <a:rPr lang="en-US" dirty="0" smtClean="0"/>
+              <a:t>This </a:t>
+            </a:r>
+            <a:r>
+              <a:rPr lang="en-US" dirty="0"/>
+              <a:t>might include metadata, or mirrored metadata, or striped data blocks etc.</a:t>
+            </a:r>
+            <a:endParaRPr lang="en-US" dirty="0"/>
+          </a:p>
+        </p:txBody>
+      </p:sp>
+    </p:spTree>
+    <p:extLst>
+      <p:ext uri="{BB962C8B-B14F-4D97-AF65-F5344CB8AC3E}">
+        <p14:creationId xmlns:p14="http://schemas.microsoft.com/office/powerpoint/2010/main" val="4292138301"/>
+      </p:ext>
+    </p:extLst>
+  </p:cSld>
+  <p:clrMapOvr>
+    <a:masterClrMapping/>
+  </p:clrMapOvr>
+</p:sld>
+</file>
+
+<file path=ppt/slides/slide22.xml><?xml version="1.0" encoding="utf-8"?>
+<p:sld xmlns:a="http://schemas.openxmlformats.org/drawingml/2006/main" xmlns:r="http://schemas.openxmlformats.org/officeDocument/2006/relationships" xmlns:p="http://schemas.openxmlformats.org/presentationml/2006/main">
+  <p:cSld>
+    <p:spTree>
+      <p:nvGrpSpPr>
+        <p:cNvPr id="1" name=""/>
+        <p:cNvGrpSpPr/>
+        <p:nvPr/>
+      </p:nvGrpSpPr>
+      <p:grpSpPr>
+        <a:xfrm>
+          <a:off x="0" y="0"/>
+          <a:ext cx="0" cy="0"/>
+          <a:chOff x="0" y="0"/>
+          <a:chExt cx="0" cy="0"/>
+        </a:xfrm>
+      </p:grpSpPr>
+      <p:sp>
+        <p:nvSpPr>
+          <p:cNvPr id="2" name="Title 1"/>
+          <p:cNvSpPr>
+            <a:spLocks noGrp="1"/>
+          </p:cNvSpPr>
+          <p:nvPr>
+            <p:ph type="title"/>
+          </p:nvPr>
+        </p:nvSpPr>
+        <p:spPr/>
+        <p:txBody>
+          <a:bodyPr/>
+          <a:lstStyle/>
+          <a:p>
+            <a:r>
+              <a:rPr lang="en-US" dirty="0" smtClean="0"/>
+              <a:t>Link and Back Refs</a:t>
+            </a:r>
+            <a:endParaRPr lang="en-US" dirty="0"/>
+          </a:p>
+        </p:txBody>
+      </p:sp>
+      <p:sp>
+        <p:nvSpPr>
+          <p:cNvPr id="3" name="Content Placeholder 2"/>
+          <p:cNvSpPr>
+            <a:spLocks noGrp="1"/>
+          </p:cNvSpPr>
+          <p:nvPr>
+            <p:ph idx="1"/>
+          </p:nvPr>
+        </p:nvSpPr>
+        <p:spPr/>
+        <p:txBody>
+          <a:bodyPr/>
+          <a:lstStyle/>
+          <a:p>
+            <a:endParaRPr lang="en-US"/>
+          </a:p>
+        </p:txBody>
+      </p:sp>
+    </p:spTree>
+    <p:extLst>
+      <p:ext uri="{BB962C8B-B14F-4D97-AF65-F5344CB8AC3E}">
+        <p14:creationId xmlns:p14="http://schemas.microsoft.com/office/powerpoint/2010/main" val="1560314885"/>
+      </p:ext>
+    </p:extLst>
+  </p:cSld>
+  <p:clrMapOvr>
+    <a:masterClrMapping/>
+  </p:clrMapOvr>
+</p:sld>
+</file>
+
+<file path=ppt/slides/slide23.xml><?xml version="1.0" encoding="utf-8"?>
+<p:sld xmlns:a="http://schemas.openxmlformats.org/drawingml/2006/main" xmlns:r="http://schemas.openxmlformats.org/officeDocument/2006/relationships" xmlns:p="http://schemas.openxmlformats.org/presentationml/2006/main">
+  <p:cSld>
+    <p:spTree>
+      <p:nvGrpSpPr>
+        <p:cNvPr id="1" name=""/>
+        <p:cNvGrpSpPr/>
+        <p:nvPr/>
+      </p:nvGrpSpPr>
+      <p:grpSpPr>
+        <a:xfrm>
+          <a:off x="0" y="0"/>
+          <a:ext cx="0" cy="0"/>
+          <a:chOff x="0" y="0"/>
+          <a:chExt cx="0" cy="0"/>
+        </a:xfrm>
+      </p:grpSpPr>
+      <p:sp>
+        <p:nvSpPr>
+          <p:cNvPr id="2" name="Title 1"/>
+          <p:cNvSpPr>
+            <a:spLocks noGrp="1"/>
+          </p:cNvSpPr>
+          <p:nvPr>
+            <p:ph type="title"/>
+          </p:nvPr>
+        </p:nvSpPr>
+        <p:spPr/>
+        <p:txBody>
+          <a:bodyPr/>
+          <a:lstStyle/>
+          <a:p>
+            <a:endParaRPr lang="en-US"/>
+          </a:p>
+        </p:txBody>
+      </p:sp>
+      <p:sp>
+        <p:nvSpPr>
+          <p:cNvPr id="3" name="Content Placeholder 2"/>
+          <p:cNvSpPr>
+            <a:spLocks noGrp="1"/>
+          </p:cNvSpPr>
+          <p:nvPr>
+            <p:ph idx="1"/>
+          </p:nvPr>
+        </p:nvSpPr>
+        <p:spPr/>
+        <p:txBody>
+          <a:bodyPr/>
+          <a:lstStyle/>
+          <a:p>
+            <a:endParaRPr lang="en-US"/>
+          </a:p>
+        </p:txBody>
+      </p:sp>
+    </p:spTree>
+    <p:extLst>
+      <p:ext uri="{BB962C8B-B14F-4D97-AF65-F5344CB8AC3E}">
+        <p14:creationId xmlns:p14="http://schemas.microsoft.com/office/powerpoint/2010/main" val="2208804765"/>
       </p:ext>
     </p:extLst>
   </p:cSld>

--- a/Bacik.pptx
+++ b/Bacik.pptx
@@ -25,9 +25,10 @@
     <p:sldId id="278" r:id="rId19"/>
     <p:sldId id="265" r:id="rId20"/>
     <p:sldId id="267" r:id="rId21"/>
-    <p:sldId id="273" r:id="rId22"/>
-    <p:sldId id="274" r:id="rId23"/>
-    <p:sldId id="275" r:id="rId24"/>
+    <p:sldId id="279" r:id="rId22"/>
+    <p:sldId id="273" r:id="rId23"/>
+    <p:sldId id="274" r:id="rId24"/>
+    <p:sldId id="275" r:id="rId25"/>
   </p:sldIdLst>
   <p:sldSz cx="9144000" cy="6858000" type="screen4x3"/>
   <p:notesSz cx="6858000" cy="9144000"/>
@@ -159,6 +160,7 @@
             <p14:sldId id="278"/>
             <p14:sldId id="265"/>
             <p14:sldId id="267"/>
+            <p14:sldId id="279"/>
             <p14:sldId id="273"/>
             <p14:sldId id="274"/>
             <p14:sldId id="275"/>
@@ -351,7 +353,7 @@
           <a:p>
             <a:fld id="{D728701E-CAF4-4159-9B3E-41C86DFFA30D}" type="datetimeFigureOut">
               <a:rPr lang="en-US" smtClean="0"/>
-              <a:t>13-12-7</a:t>
+              <a:t>13-12-11</a:t>
             </a:fld>
             <a:endParaRPr lang="en-US"/>
           </a:p>
@@ -521,7 +523,7 @@
           <a:p>
             <a:fld id="{D728701E-CAF4-4159-9B3E-41C86DFFA30D}" type="datetimeFigureOut">
               <a:rPr lang="en-US" smtClean="0"/>
-              <a:t>13-12-7</a:t>
+              <a:t>13-12-11</a:t>
             </a:fld>
             <a:endParaRPr lang="en-US"/>
           </a:p>
@@ -701,7 +703,7 @@
           <a:p>
             <a:fld id="{D728701E-CAF4-4159-9B3E-41C86DFFA30D}" type="datetimeFigureOut">
               <a:rPr lang="en-US" smtClean="0"/>
-              <a:t>13-12-7</a:t>
+              <a:t>13-12-11</a:t>
             </a:fld>
             <a:endParaRPr lang="en-US"/>
           </a:p>
@@ -871,7 +873,7 @@
           <a:p>
             <a:fld id="{D728701E-CAF4-4159-9B3E-41C86DFFA30D}" type="datetimeFigureOut">
               <a:rPr lang="en-US" smtClean="0"/>
-              <a:t>13-12-7</a:t>
+              <a:t>13-12-11</a:t>
             </a:fld>
             <a:endParaRPr lang="en-US"/>
           </a:p>
@@ -1117,7 +1119,7 @@
           <a:p>
             <a:fld id="{D728701E-CAF4-4159-9B3E-41C86DFFA30D}" type="datetimeFigureOut">
               <a:rPr lang="en-US" smtClean="0"/>
-              <a:t>13-12-7</a:t>
+              <a:t>13-12-11</a:t>
             </a:fld>
             <a:endParaRPr lang="en-US"/>
           </a:p>
@@ -1405,7 +1407,7 @@
           <a:p>
             <a:fld id="{D728701E-CAF4-4159-9B3E-41C86DFFA30D}" type="datetimeFigureOut">
               <a:rPr lang="en-US" smtClean="0"/>
-              <a:t>13-12-7</a:t>
+              <a:t>13-12-11</a:t>
             </a:fld>
             <a:endParaRPr lang="en-US"/>
           </a:p>
@@ -1827,7 +1829,7 @@
           <a:p>
             <a:fld id="{D728701E-CAF4-4159-9B3E-41C86DFFA30D}" type="datetimeFigureOut">
               <a:rPr lang="en-US" smtClean="0"/>
-              <a:t>13-12-7</a:t>
+              <a:t>13-12-11</a:t>
             </a:fld>
             <a:endParaRPr lang="en-US"/>
           </a:p>
@@ -1945,7 +1947,7 @@
           <a:p>
             <a:fld id="{D728701E-CAF4-4159-9B3E-41C86DFFA30D}" type="datetimeFigureOut">
               <a:rPr lang="en-US" smtClean="0"/>
-              <a:t>13-12-7</a:t>
+              <a:t>13-12-11</a:t>
             </a:fld>
             <a:endParaRPr lang="en-US"/>
           </a:p>
@@ -2040,7 +2042,7 @@
           <a:p>
             <a:fld id="{D728701E-CAF4-4159-9B3E-41C86DFFA30D}" type="datetimeFigureOut">
               <a:rPr lang="en-US" smtClean="0"/>
-              <a:t>13-12-7</a:t>
+              <a:t>13-12-11</a:t>
             </a:fld>
             <a:endParaRPr lang="en-US"/>
           </a:p>
@@ -2317,7 +2319,7 @@
           <a:p>
             <a:fld id="{D728701E-CAF4-4159-9B3E-41C86DFFA30D}" type="datetimeFigureOut">
               <a:rPr lang="en-US" smtClean="0"/>
-              <a:t>13-12-7</a:t>
+              <a:t>13-12-11</a:t>
             </a:fld>
             <a:endParaRPr lang="en-US"/>
           </a:p>
@@ -2570,7 +2572,7 @@
           <a:p>
             <a:fld id="{D728701E-CAF4-4159-9B3E-41C86DFFA30D}" type="datetimeFigureOut">
               <a:rPr lang="en-US" smtClean="0"/>
-              <a:t>13-12-7</a:t>
+              <a:t>13-12-11</a:t>
             </a:fld>
             <a:endParaRPr lang="en-US"/>
           </a:p>
@@ -2783,7 +2785,7 @@
           <a:p>
             <a:fld id="{D728701E-CAF4-4159-9B3E-41C86DFFA30D}" type="datetimeFigureOut">
               <a:rPr lang="en-US" smtClean="0"/>
-              <a:t>13-12-7</a:t>
+              <a:t>13-12-11</a:t>
             </a:fld>
             <a:endParaRPr lang="en-US"/>
           </a:p>
@@ -4088,8 +4090,8 @@
         </p:blipFill>
         <p:spPr>
           <a:xfrm>
-            <a:off x="476359" y="1547654"/>
-            <a:ext cx="7605485" cy="4573746"/>
+            <a:off x="260161" y="1582738"/>
+            <a:ext cx="8434113" cy="5072062"/>
           </a:xfrm>
           <a:prstGeom prst="rect">
             <a:avLst/>
@@ -4347,13 +4349,8 @@
             </a:r>
             <a:r>
               <a:rPr lang="en-US" dirty="0" smtClean="0"/>
-              <a:t>inux file </a:t>
-            </a:r>
-            <a:r>
-              <a:rPr lang="en-US" dirty="0" smtClean="0"/>
-              <a:t>systems</a:t>
-            </a:r>
-            <a:endParaRPr lang="en-US" dirty="0" smtClean="0"/>
+              <a:t>inux file systems</a:t>
+            </a:r>
           </a:p>
           <a:p>
             <a:r>
@@ -4444,7 +4441,47 @@
           <a:bodyPr/>
           <a:lstStyle/>
           <a:p>
-            <a:endParaRPr lang="en-US"/>
+            <a:r>
+              <a:rPr lang="en-US" dirty="0"/>
+              <a:t>S</a:t>
+            </a:r>
+            <a:r>
+              <a:rPr lang="en-US" dirty="0" smtClean="0"/>
+              <a:t>tore </a:t>
+            </a:r>
+            <a:r>
+              <a:rPr lang="en-US" dirty="0"/>
+              <a:t>user visible files and directories. </a:t>
+            </a:r>
+            <a:endParaRPr lang="en-US" dirty="0" smtClean="0"/>
+          </a:p>
+          <a:p>
+            <a:r>
+              <a:rPr lang="en-US" dirty="0"/>
+              <a:t>C</a:t>
+            </a:r>
+            <a:r>
+              <a:rPr lang="en-US" dirty="0" smtClean="0"/>
+              <a:t>an </a:t>
+            </a:r>
+            <a:r>
+              <a:rPr lang="en-US" dirty="0"/>
+              <a:t>be snapshotted and </a:t>
+            </a:r>
+            <a:r>
+              <a:rPr lang="en-US" dirty="0" smtClean="0"/>
+              <a:t>cloned</a:t>
+            </a:r>
+            <a:endParaRPr lang="en-US" dirty="0"/>
+          </a:p>
+          <a:p>
+            <a:r>
+              <a:rPr lang="en-US" dirty="0" smtClean="0"/>
+              <a:t>Can be exported/mounted independently</a:t>
+            </a:r>
+          </a:p>
+          <a:p>
+            <a:endParaRPr lang="en-US" dirty="0"/>
           </a:p>
         </p:txBody>
       </p:sp>
@@ -4493,11 +4530,7 @@
           <a:bodyPr/>
           <a:lstStyle/>
           <a:p>
-            <a:r>
-              <a:rPr lang="en-US" dirty="0" smtClean="0"/>
-              <a:t>BLOCK_GROUP_ITEM</a:t>
-            </a:r>
-            <a:endParaRPr lang="en-US" dirty="0"/>
+            <a:endParaRPr lang="en-US"/>
           </a:p>
         </p:txBody>
       </p:sp>
@@ -4517,33 +4550,33 @@
           <a:lstStyle/>
           <a:p>
             <a:r>
-              <a:rPr lang="en-US" dirty="0" smtClean="0"/>
-              <a:t>Item in extent tree</a:t>
-            </a:r>
-          </a:p>
-          <a:p>
-            <a:r>
-              <a:rPr lang="en-US" dirty="0" smtClean="0"/>
-              <a:t>1-1 mapping to chunk object</a:t>
-            </a:r>
-          </a:p>
-          <a:p>
-            <a:r>
               <a:rPr lang="en-US" dirty="0"/>
-              <a:t>Each block group can only store a specific type of extent. </a:t>
-            </a:r>
-            <a:endParaRPr lang="en-US" dirty="0" smtClean="0"/>
-          </a:p>
-          <a:p>
-            <a:pPr lvl="1"/>
-            <a:r>
-              <a:rPr lang="en-US" dirty="0" smtClean="0"/>
-              <a:t>This </a:t>
+              <a:t>Each </a:t>
+            </a:r>
+            <a:r>
+              <a:rPr lang="en-US" dirty="0" err="1"/>
+              <a:t>subvolume</a:t>
             </a:r>
             <a:r>
               <a:rPr lang="en-US" dirty="0"/>
-              <a:t>might include metadata, or mirrored metadata, or striped data blocks etc.</a:t>
-            </a:r>
+              <a:t> is implemented by a separate tree. </a:t>
+            </a:r>
+          </a:p>
+          <a:p>
+            <a:r>
+              <a:rPr lang="en-US" dirty="0"/>
+              <a:t>The roots of all </a:t>
+            </a:r>
+            <a:r>
+              <a:rPr lang="en-US" dirty="0" err="1"/>
+              <a:t>subvolumes</a:t>
+            </a:r>
+            <a:r>
+              <a:rPr lang="en-US" dirty="0"/>
+              <a:t> are indexed by the tree of tree roots. </a:t>
+            </a:r>
+          </a:p>
+          <a:p>
             <a:endParaRPr lang="en-US" dirty="0"/>
           </a:p>
         </p:txBody>
@@ -4551,7 +4584,7 @@
     </p:spTree>
     <p:extLst>
       <p:ext uri="{BB962C8B-B14F-4D97-AF65-F5344CB8AC3E}">
-        <p14:creationId xmlns:p14="http://schemas.microsoft.com/office/powerpoint/2010/main" val="4292138301"/>
+        <p14:creationId xmlns:p14="http://schemas.microsoft.com/office/powerpoint/2010/main" val="3014540685"/>
       </p:ext>
     </p:extLst>
   </p:cSld>
@@ -4595,6 +4628,105 @@
           <a:p>
             <a:r>
               <a:rPr lang="en-US" dirty="0" smtClean="0"/>
+              <a:t>BLOCK_GROUP_ITEM</a:t>
+            </a:r>
+            <a:endParaRPr lang="en-US" dirty="0"/>
+          </a:p>
+        </p:txBody>
+      </p:sp>
+      <p:sp>
+        <p:nvSpPr>
+          <p:cNvPr id="3" name="Content Placeholder 2"/>
+          <p:cNvSpPr>
+            <a:spLocks noGrp="1"/>
+          </p:cNvSpPr>
+          <p:nvPr>
+            <p:ph idx="1"/>
+          </p:nvPr>
+        </p:nvSpPr>
+        <p:spPr/>
+        <p:txBody>
+          <a:bodyPr/>
+          <a:lstStyle/>
+          <a:p>
+            <a:r>
+              <a:rPr lang="en-US" dirty="0" smtClean="0"/>
+              <a:t>Item in extent tree</a:t>
+            </a:r>
+          </a:p>
+          <a:p>
+            <a:r>
+              <a:rPr lang="en-US" dirty="0" smtClean="0"/>
+              <a:t>1-1 mapping to chunk object</a:t>
+            </a:r>
+          </a:p>
+          <a:p>
+            <a:r>
+              <a:rPr lang="en-US" dirty="0"/>
+              <a:t>Each block group can only store a specific type of extent. </a:t>
+            </a:r>
+            <a:endParaRPr lang="en-US" dirty="0" smtClean="0"/>
+          </a:p>
+          <a:p>
+            <a:pPr lvl="1"/>
+            <a:r>
+              <a:rPr lang="en-US" dirty="0" smtClean="0"/>
+              <a:t>This </a:t>
+            </a:r>
+            <a:r>
+              <a:rPr lang="en-US" dirty="0"/>
+              <a:t>might include metadata, or mirrored metadata, or striped data blocks etc.</a:t>
+            </a:r>
+          </a:p>
+        </p:txBody>
+      </p:sp>
+    </p:spTree>
+    <p:extLst>
+      <p:ext uri="{BB962C8B-B14F-4D97-AF65-F5344CB8AC3E}">
+        <p14:creationId xmlns:p14="http://schemas.microsoft.com/office/powerpoint/2010/main" val="4292138301"/>
+      </p:ext>
+    </p:extLst>
+  </p:cSld>
+  <p:clrMapOvr>
+    <a:masterClrMapping/>
+  </p:clrMapOvr>
+</p:sld>
+</file>
+
+<file path=ppt/slides/slide23.xml><?xml version="1.0" encoding="utf-8"?>
+<p:sld xmlns:a="http://schemas.openxmlformats.org/drawingml/2006/main" xmlns:r="http://schemas.openxmlformats.org/officeDocument/2006/relationships" xmlns:p="http://schemas.openxmlformats.org/presentationml/2006/main">
+  <p:cSld>
+    <p:spTree>
+      <p:nvGrpSpPr>
+        <p:cNvPr id="1" name=""/>
+        <p:cNvGrpSpPr/>
+        <p:nvPr/>
+      </p:nvGrpSpPr>
+      <p:grpSpPr>
+        <a:xfrm>
+          <a:off x="0" y="0"/>
+          <a:ext cx="0" cy="0"/>
+          <a:chOff x="0" y="0"/>
+          <a:chExt cx="0" cy="0"/>
+        </a:xfrm>
+      </p:grpSpPr>
+      <p:sp>
+        <p:nvSpPr>
+          <p:cNvPr id="2" name="Title 1"/>
+          <p:cNvSpPr>
+            <a:spLocks noGrp="1"/>
+          </p:cNvSpPr>
+          <p:nvPr>
+            <p:ph type="title"/>
+          </p:nvPr>
+        </p:nvSpPr>
+        <p:spPr/>
+        <p:txBody>
+          <a:bodyPr/>
+          <a:lstStyle/>
+          <a:p>
+            <a:r>
+              <a:rPr lang="en-US" dirty="0" smtClean="0"/>
               <a:t>Link and Back Refs</a:t>
             </a:r>
             <a:endParaRPr lang="en-US" dirty="0"/>
@@ -4616,7 +4748,52 @@
           <a:bodyPr/>
           <a:lstStyle/>
           <a:p>
-            <a:endParaRPr lang="en-US"/>
+            <a:r>
+              <a:rPr lang="en-US" dirty="0" smtClean="0"/>
+              <a:t>Every pointer to extent has a back link</a:t>
+            </a:r>
+          </a:p>
+          <a:p>
+            <a:r>
+              <a:rPr lang="en-US" dirty="0" smtClean="0"/>
+              <a:t>Extent </a:t>
+            </a:r>
+            <a:r>
+              <a:rPr lang="en-US" dirty="0" err="1" smtClean="0"/>
+              <a:t>Backref</a:t>
+            </a:r>
+            <a:endParaRPr lang="en-US" dirty="0" smtClean="0"/>
+          </a:p>
+          <a:p>
+            <a:pPr lvl="1"/>
+            <a:r>
+              <a:rPr lang="en-US" dirty="0" err="1" smtClean="0"/>
+              <a:t>Root_object_id</a:t>
+            </a:r>
+            <a:endParaRPr lang="en-US" dirty="0" smtClean="0"/>
+          </a:p>
+          <a:p>
+            <a:pPr lvl="1"/>
+            <a:r>
+              <a:rPr lang="en-US" dirty="0" err="1" smtClean="0"/>
+              <a:t>Objectid</a:t>
+            </a:r>
+            <a:endParaRPr lang="en-US" dirty="0" smtClean="0"/>
+          </a:p>
+          <a:p>
+            <a:pPr lvl="1"/>
+            <a:r>
+              <a:rPr lang="en-US" dirty="0" smtClean="0"/>
+              <a:t>Offset</a:t>
+            </a:r>
+          </a:p>
+          <a:p>
+            <a:pPr lvl="1"/>
+            <a:r>
+              <a:rPr lang="en-US" dirty="0" smtClean="0"/>
+              <a:t>Count</a:t>
+            </a:r>
+            <a:endParaRPr lang="en-US" dirty="0"/>
           </a:p>
         </p:txBody>
       </p:sp>
@@ -4633,7 +4810,7 @@
 </p:sld>
 </file>
 
-<file path=ppt/slides/slide23.xml><?xml version="1.0" encoding="utf-8"?>
+<file path=ppt/slides/slide24.xml><?xml version="1.0" encoding="utf-8"?>
 <p:sld xmlns:a="http://schemas.openxmlformats.org/drawingml/2006/main" xmlns:r="http://schemas.openxmlformats.org/officeDocument/2006/relationships" xmlns:p="http://schemas.openxmlformats.org/presentationml/2006/main">
   <p:cSld>
     <p:spTree>
@@ -4758,11 +4935,7 @@
           <a:p>
             <a:r>
               <a:rPr lang="en-US" dirty="0" smtClean="0"/>
-              <a:t>Linux general </a:t>
-            </a:r>
-            <a:r>
-              <a:rPr lang="en-US" dirty="0" smtClean="0"/>
-              <a:t>purpose file system</a:t>
+              <a:t>Linux general purpose file system</a:t>
             </a:r>
           </a:p>
           <a:p>
@@ -4802,7 +4975,6 @@
               <a:rPr lang="en-US" dirty="0" smtClean="0"/>
               <a:t>trfs</a:t>
             </a:r>
-            <a:endParaRPr lang="en-US" dirty="0" smtClean="0"/>
           </a:p>
           <a:p>
             <a:r>

--- a/Bacik.pptx
+++ b/Bacik.pptx
@@ -24,11 +24,20 @@
     <p:sldId id="277" r:id="rId18"/>
     <p:sldId id="278" r:id="rId19"/>
     <p:sldId id="265" r:id="rId20"/>
-    <p:sldId id="267" r:id="rId21"/>
-    <p:sldId id="279" r:id="rId22"/>
-    <p:sldId id="273" r:id="rId23"/>
-    <p:sldId id="274" r:id="rId24"/>
-    <p:sldId id="275" r:id="rId25"/>
+    <p:sldId id="284" r:id="rId21"/>
+    <p:sldId id="285" r:id="rId22"/>
+    <p:sldId id="286" r:id="rId23"/>
+    <p:sldId id="287" r:id="rId24"/>
+    <p:sldId id="288" r:id="rId25"/>
+    <p:sldId id="280" r:id="rId26"/>
+    <p:sldId id="267" r:id="rId27"/>
+    <p:sldId id="279" r:id="rId28"/>
+    <p:sldId id="273" r:id="rId29"/>
+    <p:sldId id="274" r:id="rId30"/>
+    <p:sldId id="281" r:id="rId31"/>
+    <p:sldId id="282" r:id="rId32"/>
+    <p:sldId id="283" r:id="rId33"/>
+    <p:sldId id="275" r:id="rId34"/>
   </p:sldIdLst>
   <p:sldSz cx="9144000" cy="6858000" type="screen4x3"/>
   <p:notesSz cx="6858000" cy="9144000"/>
@@ -159,10 +168,23 @@
             <p14:sldId id="277"/>
             <p14:sldId id="278"/>
             <p14:sldId id="265"/>
+          </p14:sldIdLst>
+        </p14:section>
+        <p14:section name="COW" id="{429C47E1-19EA-B94D-B730-F278FB5C38EB}">
+          <p14:sldIdLst>
+            <p14:sldId id="284"/>
+            <p14:sldId id="285"/>
+            <p14:sldId id="286"/>
+            <p14:sldId id="287"/>
+            <p14:sldId id="288"/>
+            <p14:sldId id="280"/>
             <p14:sldId id="267"/>
             <p14:sldId id="279"/>
             <p14:sldId id="273"/>
             <p14:sldId id="274"/>
+            <p14:sldId id="281"/>
+            <p14:sldId id="282"/>
+            <p14:sldId id="283"/>
             <p14:sldId id="275"/>
           </p14:sldIdLst>
         </p14:section>
@@ -4419,8 +4441,8 @@
           <a:lstStyle/>
           <a:p>
             <a:r>
-              <a:rPr lang="en-US" dirty="0" err="1" smtClean="0"/>
-              <a:t>Subvolume</a:t>
+              <a:rPr lang="en-US" dirty="0"/>
+              <a:t>COW Friendly B-Trees </a:t>
             </a:r>
             <a:endParaRPr lang="en-US" dirty="0"/>
           </a:p>
@@ -4442,53 +4464,99 @@
           <a:lstStyle/>
           <a:p>
             <a:r>
+              <a:rPr lang="en-US" altLang="zh-CN" dirty="0" smtClean="0"/>
+              <a:t>Use standard B+-tree construction, but</a:t>
+            </a:r>
+          </a:p>
+          <a:p>
+            <a:pPr lvl="1"/>
+            <a:r>
+              <a:rPr lang="en-US" altLang="zh-CN" dirty="0" smtClean="0"/>
+              <a:t>E</a:t>
+            </a:r>
+            <a:r>
+              <a:rPr lang="en-US" dirty="0" smtClean="0"/>
+              <a:t>mploy </a:t>
+            </a:r>
+            <a:r>
               <a:rPr lang="en-US" dirty="0"/>
-              <a:t>S</a:t>
-            </a:r>
-            <a:r>
-              <a:rPr lang="en-US" dirty="0" smtClean="0"/>
-              <a:t>tore </a:t>
-            </a:r>
+              <a:t>a top-down update </a:t>
+            </a:r>
+            <a:r>
+              <a:rPr lang="en-US" dirty="0" smtClean="0"/>
+              <a:t>procedure</a:t>
+            </a:r>
+            <a:endParaRPr lang="en-US" dirty="0"/>
+          </a:p>
+          <a:p>
+            <a:pPr lvl="1"/>
             <a:r>
               <a:rPr lang="en-US" dirty="0"/>
-              <a:t>user visible files and directories. </a:t>
-            </a:r>
-            <a:endParaRPr lang="en-US" dirty="0" smtClean="0"/>
-          </a:p>
-          <a:p>
+              <a:t>R</a:t>
+            </a:r>
+            <a:r>
+              <a:rPr lang="en-US" dirty="0" smtClean="0"/>
+              <a:t>emove </a:t>
+            </a:r>
             <a:r>
               <a:rPr lang="en-US" dirty="0"/>
-              <a:t>C</a:t>
-            </a:r>
-            <a:r>
-              <a:rPr lang="en-US" dirty="0" smtClean="0"/>
-              <a:t>an </a:t>
-            </a:r>
+              <a:t>leaf-</a:t>
+            </a:r>
+            <a:r>
+              <a:rPr lang="en-US" dirty="0" smtClean="0"/>
+              <a:t>chaining</a:t>
+            </a:r>
+            <a:endParaRPr lang="en-US" dirty="0"/>
+          </a:p>
+          <a:p>
+            <a:pPr lvl="1"/>
             <a:r>
               <a:rPr lang="en-US" dirty="0"/>
-              <a:t>be snapshotted and </a:t>
-            </a:r>
-            <a:r>
-              <a:rPr lang="en-US" dirty="0" smtClean="0"/>
-              <a:t>cloned</a:t>
+              <a:t>U</a:t>
+            </a:r>
+            <a:r>
+              <a:rPr lang="en-US" dirty="0" smtClean="0"/>
+              <a:t>se </a:t>
+            </a:r>
+            <a:r>
+              <a:rPr lang="en-US" dirty="0"/>
+              <a:t>lazy reference-counting for space management </a:t>
             </a:r>
             <a:endParaRPr lang="en-US" dirty="0"/>
           </a:p>
           <a:p>
-            <a:r>
-              <a:rPr lang="en-US" dirty="0" smtClean="0"/>
-              <a:t>Can be exported/mounted independently</a:t>
-            </a:r>
-          </a:p>
-          <a:p>
             <a:endParaRPr lang="en-US" dirty="0"/>
           </a:p>
         </p:txBody>
       </p:sp>
+      <p:pic>
+        <p:nvPicPr>
+          <p:cNvPr id="4" name="Picture 3"/>
+          <p:cNvPicPr>
+            <a:picLocks noChangeAspect="1"/>
+          </p:cNvPicPr>
+          <p:nvPr/>
+        </p:nvPicPr>
+        <p:blipFill>
+          <a:blip r:embed="rId2"/>
+          <a:stretch>
+            <a:fillRect/>
+          </a:stretch>
+        </p:blipFill>
+        <p:spPr>
+          <a:xfrm>
+            <a:off x="2578099" y="4165599"/>
+            <a:ext cx="3464557" cy="1960563"/>
+          </a:xfrm>
+          <a:prstGeom prst="rect">
+            <a:avLst/>
+          </a:prstGeom>
+        </p:spPr>
+      </p:pic>
     </p:spTree>
     <p:extLst>
       <p:ext uri="{BB962C8B-B14F-4D97-AF65-F5344CB8AC3E}">
-        <p14:creationId xmlns:p14="http://schemas.microsoft.com/office/powerpoint/2010/main" val="1636979884"/>
+        <p14:creationId xmlns:p14="http://schemas.microsoft.com/office/powerpoint/2010/main" val="4031674127"/>
       </p:ext>
     </p:extLst>
   </p:cSld>
@@ -4530,7 +4598,15 @@
           <a:bodyPr/>
           <a:lstStyle/>
           <a:p>
-            <a:endParaRPr lang="en-US"/>
+            <a:r>
+              <a:rPr lang="en-US" altLang="zh-CN" dirty="0" smtClean="0"/>
+              <a:t>Key </a:t>
+            </a:r>
+            <a:r>
+              <a:rPr lang="en-US" dirty="0" smtClean="0"/>
+              <a:t>Insertion</a:t>
+            </a:r>
+            <a:endParaRPr lang="en-US" dirty="0"/>
           </a:p>
         </p:txBody>
       </p:sp>
@@ -4544,47 +4620,69 @@
             <p:ph idx="1"/>
           </p:nvPr>
         </p:nvSpPr>
-        <p:spPr/>
-        <p:txBody>
-          <a:bodyPr/>
-          <a:lstStyle/>
-          <a:p>
-            <a:r>
-              <a:rPr lang="en-US" dirty="0"/>
-              <a:t>Each </a:t>
-            </a:r>
-            <a:r>
-              <a:rPr lang="en-US" dirty="0" err="1"/>
-              <a:t>subvolume</a:t>
-            </a:r>
-            <a:r>
-              <a:rPr lang="en-US" dirty="0"/>
-              <a:t> is implemented by a separate tree. </a:t>
-            </a:r>
-          </a:p>
-          <a:p>
-            <a:r>
-              <a:rPr lang="en-US" dirty="0"/>
-              <a:t>The roots of all </a:t>
-            </a:r>
-            <a:r>
-              <a:rPr lang="en-US" dirty="0" err="1"/>
-              <a:t>subvolumes</a:t>
-            </a:r>
-            <a:r>
-              <a:rPr lang="en-US" dirty="0"/>
-              <a:t> are indexed by the tree of tree roots. </a:t>
-            </a:r>
-          </a:p>
-          <a:p>
-            <a:endParaRPr lang="en-US" dirty="0"/>
-          </a:p>
-        </p:txBody>
-      </p:sp>
+        <p:spPr>
+          <a:xfrm>
+            <a:off x="457200" y="4965700"/>
+            <a:ext cx="8229600" cy="812799"/>
+          </a:xfrm>
+        </p:spPr>
+        <p:txBody>
+          <a:bodyPr>
+            <a:normAutofit/>
+          </a:bodyPr>
+          <a:lstStyle/>
+          <a:p>
+            <a:pPr marL="0" indent="0" algn="ctr">
+              <a:buNone/>
+            </a:pPr>
+            <a:r>
+              <a:rPr lang="en-US" sz="2400" dirty="0"/>
+              <a:t>Inserting key </a:t>
+            </a:r>
+            <a:r>
+              <a:rPr lang="en-US" sz="2400" dirty="0" smtClean="0"/>
+              <a:t>19, and creating </a:t>
+            </a:r>
+            <a:r>
+              <a:rPr lang="en-US" sz="2400" dirty="0"/>
+              <a:t>a path of modified </a:t>
+            </a:r>
+            <a:r>
+              <a:rPr lang="en-US" sz="2400" dirty="0" smtClean="0"/>
+              <a:t>pages</a:t>
+            </a:r>
+            <a:endParaRPr lang="en-US" sz="2400" dirty="0"/>
+          </a:p>
+        </p:txBody>
+      </p:sp>
+      <p:pic>
+        <p:nvPicPr>
+          <p:cNvPr id="5" name="Picture 4"/>
+          <p:cNvPicPr>
+            <a:picLocks noChangeAspect="1"/>
+          </p:cNvPicPr>
+          <p:nvPr/>
+        </p:nvPicPr>
+        <p:blipFill>
+          <a:blip r:embed="rId2"/>
+          <a:stretch>
+            <a:fillRect/>
+          </a:stretch>
+        </p:blipFill>
+        <p:spPr>
+          <a:xfrm>
+            <a:off x="558799" y="2362200"/>
+            <a:ext cx="8304753" cy="2070100"/>
+          </a:xfrm>
+          <a:prstGeom prst="rect">
+            <a:avLst/>
+          </a:prstGeom>
+        </p:spPr>
+      </p:pic>
     </p:spTree>
     <p:extLst>
       <p:ext uri="{BB962C8B-B14F-4D97-AF65-F5344CB8AC3E}">
-        <p14:creationId xmlns:p14="http://schemas.microsoft.com/office/powerpoint/2010/main" val="3014540685"/>
+        <p14:creationId xmlns:p14="http://schemas.microsoft.com/office/powerpoint/2010/main" val="129945034"/>
       </p:ext>
     </p:extLst>
   </p:cSld>
@@ -4628,7 +4726,7 @@
           <a:p>
             <a:r>
               <a:rPr lang="en-US" dirty="0" smtClean="0"/>
-              <a:t>BLOCK_GROUP_ITEM</a:t>
+              <a:t>Key Deletion</a:t>
             </a:r>
             <a:endParaRPr lang="en-US" dirty="0"/>
           </a:p>
@@ -4644,46 +4742,55 @@
             <p:ph idx="1"/>
           </p:nvPr>
         </p:nvSpPr>
-        <p:spPr/>
-        <p:txBody>
-          <a:bodyPr/>
-          <a:lstStyle/>
-          <a:p>
-            <a:r>
-              <a:rPr lang="en-US" dirty="0" smtClean="0"/>
-              <a:t>Item in extent tree</a:t>
-            </a:r>
-          </a:p>
-          <a:p>
-            <a:r>
-              <a:rPr lang="en-US" dirty="0" smtClean="0"/>
-              <a:t>1-1 mapping to chunk object</a:t>
-            </a:r>
-          </a:p>
-          <a:p>
-            <a:r>
-              <a:rPr lang="en-US" dirty="0"/>
-              <a:t>Each block group can only store a specific type of extent. </a:t>
-            </a:r>
-            <a:endParaRPr lang="en-US" dirty="0" smtClean="0"/>
-          </a:p>
-          <a:p>
-            <a:pPr lvl="1"/>
-            <a:r>
-              <a:rPr lang="en-US" dirty="0" smtClean="0"/>
-              <a:t>This </a:t>
-            </a:r>
-            <a:r>
-              <a:rPr lang="en-US" dirty="0"/>
-              <a:t>might include metadata, or mirrored metadata, or striped data blocks etc.</a:t>
-            </a:r>
-          </a:p>
-        </p:txBody>
-      </p:sp>
+        <p:spPr>
+          <a:xfrm>
+            <a:off x="457200" y="4216400"/>
+            <a:ext cx="8229600" cy="1909763"/>
+          </a:xfrm>
+        </p:spPr>
+        <p:txBody>
+          <a:bodyPr/>
+          <a:lstStyle/>
+          <a:p>
+            <a:pPr marL="0" indent="0" algn="ctr">
+              <a:buNone/>
+            </a:pPr>
+            <a:r>
+              <a:rPr lang="en-US" dirty="0" smtClean="0"/>
+              <a:t>Delete key 6 with COW</a:t>
+            </a:r>
+            <a:endParaRPr lang="en-US" dirty="0"/>
+          </a:p>
+        </p:txBody>
+      </p:sp>
+      <p:pic>
+        <p:nvPicPr>
+          <p:cNvPr id="4" name="Picture 3"/>
+          <p:cNvPicPr>
+            <a:picLocks noChangeAspect="1"/>
+          </p:cNvPicPr>
+          <p:nvPr/>
+        </p:nvPicPr>
+        <p:blipFill>
+          <a:blip r:embed="rId2"/>
+          <a:stretch>
+            <a:fillRect/>
+          </a:stretch>
+        </p:blipFill>
+        <p:spPr>
+          <a:xfrm>
+            <a:off x="361043" y="1828800"/>
+            <a:ext cx="8358249" cy="2082800"/>
+          </a:xfrm>
+          <a:prstGeom prst="rect">
+            <a:avLst/>
+          </a:prstGeom>
+        </p:spPr>
+      </p:pic>
     </p:spTree>
     <p:extLst>
       <p:ext uri="{BB962C8B-B14F-4D97-AF65-F5344CB8AC3E}">
-        <p14:creationId xmlns:p14="http://schemas.microsoft.com/office/powerpoint/2010/main" val="4292138301"/>
+        <p14:creationId xmlns:p14="http://schemas.microsoft.com/office/powerpoint/2010/main" val="3245903308"/>
       </p:ext>
     </p:extLst>
   </p:cSld>
@@ -4727,7 +4834,7 @@
           <a:p>
             <a:r>
               <a:rPr lang="en-US" dirty="0" smtClean="0"/>
-              <a:t>Link and Back Refs</a:t>
+              <a:t>Clone Tree</a:t>
             </a:r>
             <a:endParaRPr lang="en-US" dirty="0"/>
           </a:p>
@@ -4743,64 +4850,73 @@
             <p:ph idx="1"/>
           </p:nvPr>
         </p:nvSpPr>
-        <p:spPr/>
-        <p:txBody>
-          <a:bodyPr/>
-          <a:lstStyle/>
-          <a:p>
-            <a:r>
-              <a:rPr lang="en-US" dirty="0" smtClean="0"/>
-              <a:t>Every pointer to extent has a back link</a:t>
-            </a:r>
-          </a:p>
-          <a:p>
-            <a:r>
-              <a:rPr lang="en-US" dirty="0" smtClean="0"/>
-              <a:t>Extent </a:t>
-            </a:r>
-            <a:r>
-              <a:rPr lang="en-US" dirty="0" err="1" smtClean="0"/>
-              <a:t>Backref</a:t>
-            </a:r>
-            <a:endParaRPr lang="en-US" dirty="0" smtClean="0"/>
-          </a:p>
-          <a:p>
-            <a:pPr lvl="1"/>
-            <a:r>
-              <a:rPr lang="en-US" dirty="0" err="1" smtClean="0"/>
-              <a:t>Root_object_id</a:t>
-            </a:r>
-            <a:endParaRPr lang="en-US" dirty="0" smtClean="0"/>
-          </a:p>
-          <a:p>
-            <a:pPr lvl="1"/>
-            <a:r>
-              <a:rPr lang="en-US" dirty="0" err="1" smtClean="0"/>
-              <a:t>Objectid</a:t>
-            </a:r>
-            <a:endParaRPr lang="en-US" dirty="0" smtClean="0"/>
-          </a:p>
-          <a:p>
-            <a:pPr lvl="1"/>
-            <a:r>
-              <a:rPr lang="en-US" dirty="0" smtClean="0"/>
-              <a:t>Offset</a:t>
-            </a:r>
-          </a:p>
-          <a:p>
-            <a:pPr lvl="1"/>
-            <a:r>
-              <a:rPr lang="en-US" dirty="0" smtClean="0"/>
-              <a:t>Count</a:t>
+        <p:spPr>
+          <a:xfrm>
+            <a:off x="457200" y="4432300"/>
+            <a:ext cx="8229600" cy="1693863"/>
+          </a:xfrm>
+        </p:spPr>
+        <p:txBody>
+          <a:bodyPr>
+            <a:normAutofit/>
+          </a:bodyPr>
+          <a:lstStyle/>
+          <a:p>
+            <a:pPr marL="0" indent="0" algn="ctr">
+              <a:buNone/>
+            </a:pPr>
+            <a:r>
+              <a:rPr lang="en-US" dirty="0" smtClean="0"/>
+              <a:t>A </a:t>
+            </a:r>
+            <a:r>
+              <a:rPr lang="en-US" dirty="0"/>
+              <a:t>new root </a:t>
+            </a:r>
+            <a:r>
+              <a:rPr lang="en-US" i="1" dirty="0"/>
+              <a:t>Q </a:t>
+            </a:r>
+            <a:r>
+              <a:rPr lang="en-US" dirty="0"/>
+              <a:t>is created, initially pointing to the same nodes as the original root </a:t>
+            </a:r>
+            <a:r>
+              <a:rPr lang="en-US" i="1" dirty="0" smtClean="0"/>
+              <a:t>P</a:t>
             </a:r>
             <a:endParaRPr lang="en-US" dirty="0"/>
           </a:p>
         </p:txBody>
       </p:sp>
+      <p:pic>
+        <p:nvPicPr>
+          <p:cNvPr id="4" name="Picture 3"/>
+          <p:cNvPicPr>
+            <a:picLocks noChangeAspect="1"/>
+          </p:cNvPicPr>
+          <p:nvPr/>
+        </p:nvPicPr>
+        <p:blipFill>
+          <a:blip r:embed="rId2"/>
+          <a:stretch>
+            <a:fillRect/>
+          </a:stretch>
+        </p:blipFill>
+        <p:spPr>
+          <a:xfrm>
+            <a:off x="559593" y="1701800"/>
+            <a:ext cx="7521575" cy="2336800"/>
+          </a:xfrm>
+          <a:prstGeom prst="rect">
+            <a:avLst/>
+          </a:prstGeom>
+        </p:spPr>
+      </p:pic>
     </p:spTree>
     <p:extLst>
       <p:ext uri="{BB962C8B-B14F-4D97-AF65-F5344CB8AC3E}">
-        <p14:creationId xmlns:p14="http://schemas.microsoft.com/office/powerpoint/2010/main" val="1560314885"/>
+        <p14:creationId xmlns:p14="http://schemas.microsoft.com/office/powerpoint/2010/main" val="2007659408"/>
       </p:ext>
     </p:extLst>
   </p:cSld>
@@ -4868,7 +4984,548 @@
     </p:spTree>
     <p:extLst>
       <p:ext uri="{BB962C8B-B14F-4D97-AF65-F5344CB8AC3E}">
-        <p14:creationId xmlns:p14="http://schemas.microsoft.com/office/powerpoint/2010/main" val="2208804765"/>
+        <p14:creationId xmlns:p14="http://schemas.microsoft.com/office/powerpoint/2010/main" val="737979113"/>
+      </p:ext>
+    </p:extLst>
+  </p:cSld>
+  <p:clrMapOvr>
+    <a:masterClrMapping/>
+  </p:clrMapOvr>
+</p:sld>
+</file>
+
+<file path=ppt/slides/slide25.xml><?xml version="1.0" encoding="utf-8"?>
+<p:sld xmlns:a="http://schemas.openxmlformats.org/drawingml/2006/main" xmlns:r="http://schemas.openxmlformats.org/officeDocument/2006/relationships" xmlns:p="http://schemas.openxmlformats.org/presentationml/2006/main">
+  <p:cSld>
+    <p:spTree>
+      <p:nvGrpSpPr>
+        <p:cNvPr id="1" name=""/>
+        <p:cNvGrpSpPr/>
+        <p:nvPr/>
+      </p:nvGrpSpPr>
+      <p:grpSpPr>
+        <a:xfrm>
+          <a:off x="0" y="0"/>
+          <a:ext cx="0" cy="0"/>
+          <a:chOff x="0" y="0"/>
+          <a:chExt cx="0" cy="0"/>
+        </a:xfrm>
+      </p:grpSpPr>
+      <p:sp>
+        <p:nvSpPr>
+          <p:cNvPr id="2" name="Title 1"/>
+          <p:cNvSpPr>
+            <a:spLocks noGrp="1"/>
+          </p:cNvSpPr>
+          <p:nvPr>
+            <p:ph type="title"/>
+          </p:nvPr>
+        </p:nvSpPr>
+        <p:spPr/>
+        <p:txBody>
+          <a:bodyPr/>
+          <a:lstStyle/>
+          <a:p>
+            <a:r>
+              <a:rPr lang="en-US" dirty="0" smtClean="0"/>
+              <a:t>Checkpoints</a:t>
+            </a:r>
+            <a:endParaRPr lang="en-US" dirty="0"/>
+          </a:p>
+        </p:txBody>
+      </p:sp>
+      <p:sp>
+        <p:nvSpPr>
+          <p:cNvPr id="3" name="Content Placeholder 2"/>
+          <p:cNvSpPr>
+            <a:spLocks noGrp="1"/>
+          </p:cNvSpPr>
+          <p:nvPr>
+            <p:ph idx="1"/>
+          </p:nvPr>
+        </p:nvSpPr>
+        <p:spPr/>
+        <p:txBody>
+          <a:bodyPr/>
+          <a:lstStyle/>
+          <a:p>
+            <a:r>
+              <a:rPr lang="en-US" dirty="0"/>
+              <a:t>The </a:t>
+            </a:r>
+            <a:r>
+              <a:rPr lang="en-US" dirty="0" smtClean="0"/>
+              <a:t>file system </a:t>
+            </a:r>
+            <a:r>
+              <a:rPr lang="en-US" dirty="0"/>
+              <a:t>comprises a forest of trees that are all modified using copy-on-</a:t>
+            </a:r>
+            <a:r>
+              <a:rPr lang="en-US" dirty="0" smtClean="0"/>
+              <a:t>write</a:t>
+            </a:r>
+          </a:p>
+          <a:p>
+            <a:r>
+              <a:rPr lang="en-US" dirty="0" smtClean="0"/>
+              <a:t>Updates </a:t>
+            </a:r>
+            <a:r>
+              <a:rPr lang="en-US" dirty="0"/>
+              <a:t>are accumulated in memory, and written out in atomic </a:t>
+            </a:r>
+            <a:r>
+              <a:rPr lang="en-US" i="1" dirty="0" smtClean="0"/>
+              <a:t>checkpoints</a:t>
+            </a:r>
+            <a:endParaRPr lang="en-US" dirty="0"/>
+          </a:p>
+          <a:p>
+            <a:r>
+              <a:rPr lang="en-US" dirty="0" smtClean="0"/>
+              <a:t>Checkpoint for every 30 seconds</a:t>
+            </a:r>
+            <a:endParaRPr lang="en-US" dirty="0"/>
+          </a:p>
+        </p:txBody>
+      </p:sp>
+    </p:spTree>
+    <p:extLst>
+      <p:ext uri="{BB962C8B-B14F-4D97-AF65-F5344CB8AC3E}">
+        <p14:creationId xmlns:p14="http://schemas.microsoft.com/office/powerpoint/2010/main" val="1466112590"/>
+      </p:ext>
+    </p:extLst>
+  </p:cSld>
+  <p:clrMapOvr>
+    <a:masterClrMapping/>
+  </p:clrMapOvr>
+</p:sld>
+</file>
+
+<file path=ppt/slides/slide26.xml><?xml version="1.0" encoding="utf-8"?>
+<p:sld xmlns:a="http://schemas.openxmlformats.org/drawingml/2006/main" xmlns:r="http://schemas.openxmlformats.org/officeDocument/2006/relationships" xmlns:p="http://schemas.openxmlformats.org/presentationml/2006/main">
+  <p:cSld>
+    <p:spTree>
+      <p:nvGrpSpPr>
+        <p:cNvPr id="1" name=""/>
+        <p:cNvGrpSpPr/>
+        <p:nvPr/>
+      </p:nvGrpSpPr>
+      <p:grpSpPr>
+        <a:xfrm>
+          <a:off x="0" y="0"/>
+          <a:ext cx="0" cy="0"/>
+          <a:chOff x="0" y="0"/>
+          <a:chExt cx="0" cy="0"/>
+        </a:xfrm>
+      </p:grpSpPr>
+      <p:sp>
+        <p:nvSpPr>
+          <p:cNvPr id="2" name="Title 1"/>
+          <p:cNvSpPr>
+            <a:spLocks noGrp="1"/>
+          </p:cNvSpPr>
+          <p:nvPr>
+            <p:ph type="title"/>
+          </p:nvPr>
+        </p:nvSpPr>
+        <p:spPr/>
+        <p:txBody>
+          <a:bodyPr/>
+          <a:lstStyle/>
+          <a:p>
+            <a:r>
+              <a:rPr lang="en-US" dirty="0" err="1" smtClean="0"/>
+              <a:t>Subvolume</a:t>
+            </a:r>
+            <a:endParaRPr lang="en-US" dirty="0"/>
+          </a:p>
+        </p:txBody>
+      </p:sp>
+      <p:sp>
+        <p:nvSpPr>
+          <p:cNvPr id="3" name="Content Placeholder 2"/>
+          <p:cNvSpPr>
+            <a:spLocks noGrp="1"/>
+          </p:cNvSpPr>
+          <p:nvPr>
+            <p:ph idx="1"/>
+          </p:nvPr>
+        </p:nvSpPr>
+        <p:spPr/>
+        <p:txBody>
+          <a:bodyPr/>
+          <a:lstStyle/>
+          <a:p>
+            <a:r>
+              <a:rPr lang="en-US" dirty="0"/>
+              <a:t>S</a:t>
+            </a:r>
+            <a:r>
+              <a:rPr lang="en-US" dirty="0" smtClean="0"/>
+              <a:t>tore </a:t>
+            </a:r>
+            <a:r>
+              <a:rPr lang="en-US" dirty="0"/>
+              <a:t>user visible files and directories. </a:t>
+            </a:r>
+            <a:endParaRPr lang="en-US" dirty="0" smtClean="0"/>
+          </a:p>
+          <a:p>
+            <a:r>
+              <a:rPr lang="en-US" dirty="0"/>
+              <a:t>C</a:t>
+            </a:r>
+            <a:r>
+              <a:rPr lang="en-US" dirty="0" smtClean="0"/>
+              <a:t>an </a:t>
+            </a:r>
+            <a:r>
+              <a:rPr lang="en-US" dirty="0"/>
+              <a:t>be snapshotted and </a:t>
+            </a:r>
+            <a:r>
+              <a:rPr lang="en-US" dirty="0" smtClean="0"/>
+              <a:t>cloned</a:t>
+            </a:r>
+            <a:endParaRPr lang="en-US" dirty="0"/>
+          </a:p>
+          <a:p>
+            <a:r>
+              <a:rPr lang="en-US" dirty="0" smtClean="0"/>
+              <a:t>Can be exported/mounted at </a:t>
+            </a:r>
+            <a:r>
+              <a:rPr lang="en-US" dirty="0" err="1" smtClean="0"/>
+              <a:t>subvolume</a:t>
+            </a:r>
+            <a:r>
+              <a:rPr lang="en-US" dirty="0" smtClean="0"/>
+              <a:t> level</a:t>
+            </a:r>
+          </a:p>
+          <a:p>
+            <a:endParaRPr lang="en-US" dirty="0"/>
+          </a:p>
+        </p:txBody>
+      </p:sp>
+    </p:spTree>
+    <p:extLst>
+      <p:ext uri="{BB962C8B-B14F-4D97-AF65-F5344CB8AC3E}">
+        <p14:creationId xmlns:p14="http://schemas.microsoft.com/office/powerpoint/2010/main" val="1636979884"/>
+      </p:ext>
+    </p:extLst>
+  </p:cSld>
+  <p:clrMapOvr>
+    <a:masterClrMapping/>
+  </p:clrMapOvr>
+</p:sld>
+</file>
+
+<file path=ppt/slides/slide27.xml><?xml version="1.0" encoding="utf-8"?>
+<p:sld xmlns:a="http://schemas.openxmlformats.org/drawingml/2006/main" xmlns:r="http://schemas.openxmlformats.org/officeDocument/2006/relationships" xmlns:p="http://schemas.openxmlformats.org/presentationml/2006/main">
+  <p:cSld>
+    <p:spTree>
+      <p:nvGrpSpPr>
+        <p:cNvPr id="1" name=""/>
+        <p:cNvGrpSpPr/>
+        <p:nvPr/>
+      </p:nvGrpSpPr>
+      <p:grpSpPr>
+        <a:xfrm>
+          <a:off x="0" y="0"/>
+          <a:ext cx="0" cy="0"/>
+          <a:chOff x="0" y="0"/>
+          <a:chExt cx="0" cy="0"/>
+        </a:xfrm>
+      </p:grpSpPr>
+      <p:sp>
+        <p:nvSpPr>
+          <p:cNvPr id="2" name="Title 1"/>
+          <p:cNvSpPr>
+            <a:spLocks noGrp="1"/>
+          </p:cNvSpPr>
+          <p:nvPr>
+            <p:ph type="title"/>
+          </p:nvPr>
+        </p:nvSpPr>
+        <p:spPr/>
+        <p:txBody>
+          <a:bodyPr/>
+          <a:lstStyle/>
+          <a:p>
+            <a:endParaRPr lang="en-US"/>
+          </a:p>
+        </p:txBody>
+      </p:sp>
+      <p:sp>
+        <p:nvSpPr>
+          <p:cNvPr id="3" name="Content Placeholder 2"/>
+          <p:cNvSpPr>
+            <a:spLocks noGrp="1"/>
+          </p:cNvSpPr>
+          <p:nvPr>
+            <p:ph idx="1"/>
+          </p:nvPr>
+        </p:nvSpPr>
+        <p:spPr/>
+        <p:txBody>
+          <a:bodyPr/>
+          <a:lstStyle/>
+          <a:p>
+            <a:r>
+              <a:rPr lang="en-US" dirty="0"/>
+              <a:t>Each </a:t>
+            </a:r>
+            <a:r>
+              <a:rPr lang="en-US" dirty="0" err="1"/>
+              <a:t>subvolume</a:t>
+            </a:r>
+            <a:r>
+              <a:rPr lang="en-US" dirty="0"/>
+              <a:t> is implemented by a separate tree. </a:t>
+            </a:r>
+          </a:p>
+          <a:p>
+            <a:r>
+              <a:rPr lang="en-US" dirty="0"/>
+              <a:t>The roots of all </a:t>
+            </a:r>
+            <a:r>
+              <a:rPr lang="en-US" dirty="0" err="1"/>
+              <a:t>subvolumes</a:t>
+            </a:r>
+            <a:r>
+              <a:rPr lang="en-US" dirty="0"/>
+              <a:t> are indexed by the tree of tree roots. </a:t>
+            </a:r>
+          </a:p>
+          <a:p>
+            <a:endParaRPr lang="en-US" dirty="0"/>
+          </a:p>
+        </p:txBody>
+      </p:sp>
+    </p:spTree>
+    <p:extLst>
+      <p:ext uri="{BB962C8B-B14F-4D97-AF65-F5344CB8AC3E}">
+        <p14:creationId xmlns:p14="http://schemas.microsoft.com/office/powerpoint/2010/main" val="3014540685"/>
+      </p:ext>
+    </p:extLst>
+  </p:cSld>
+  <p:clrMapOvr>
+    <a:masterClrMapping/>
+  </p:clrMapOvr>
+</p:sld>
+</file>
+
+<file path=ppt/slides/slide28.xml><?xml version="1.0" encoding="utf-8"?>
+<p:sld xmlns:a="http://schemas.openxmlformats.org/drawingml/2006/main" xmlns:r="http://schemas.openxmlformats.org/officeDocument/2006/relationships" xmlns:p="http://schemas.openxmlformats.org/presentationml/2006/main">
+  <p:cSld>
+    <p:spTree>
+      <p:nvGrpSpPr>
+        <p:cNvPr id="1" name=""/>
+        <p:cNvGrpSpPr/>
+        <p:nvPr/>
+      </p:nvGrpSpPr>
+      <p:grpSpPr>
+        <a:xfrm>
+          <a:off x="0" y="0"/>
+          <a:ext cx="0" cy="0"/>
+          <a:chOff x="0" y="0"/>
+          <a:chExt cx="0" cy="0"/>
+        </a:xfrm>
+      </p:grpSpPr>
+      <p:sp>
+        <p:nvSpPr>
+          <p:cNvPr id="2" name="Title 1"/>
+          <p:cNvSpPr>
+            <a:spLocks noGrp="1"/>
+          </p:cNvSpPr>
+          <p:nvPr>
+            <p:ph type="title"/>
+          </p:nvPr>
+        </p:nvSpPr>
+        <p:spPr/>
+        <p:txBody>
+          <a:bodyPr/>
+          <a:lstStyle/>
+          <a:p>
+            <a:r>
+              <a:rPr lang="en-US" dirty="0" smtClean="0"/>
+              <a:t>BLOCK_GROUP_ITEM</a:t>
+            </a:r>
+            <a:endParaRPr lang="en-US" dirty="0"/>
+          </a:p>
+        </p:txBody>
+      </p:sp>
+      <p:sp>
+        <p:nvSpPr>
+          <p:cNvPr id="3" name="Content Placeholder 2"/>
+          <p:cNvSpPr>
+            <a:spLocks noGrp="1"/>
+          </p:cNvSpPr>
+          <p:nvPr>
+            <p:ph idx="1"/>
+          </p:nvPr>
+        </p:nvSpPr>
+        <p:spPr/>
+        <p:txBody>
+          <a:bodyPr/>
+          <a:lstStyle/>
+          <a:p>
+            <a:r>
+              <a:rPr lang="en-US" dirty="0" smtClean="0"/>
+              <a:t>Item in extent tree</a:t>
+            </a:r>
+          </a:p>
+          <a:p>
+            <a:r>
+              <a:rPr lang="en-US" dirty="0" smtClean="0"/>
+              <a:t>1-1 mapping to chunk object</a:t>
+            </a:r>
+          </a:p>
+          <a:p>
+            <a:r>
+              <a:rPr lang="en-US" dirty="0"/>
+              <a:t>Each block group can only store a specific type of extent. </a:t>
+            </a:r>
+            <a:endParaRPr lang="en-US" dirty="0" smtClean="0"/>
+          </a:p>
+          <a:p>
+            <a:pPr lvl="1"/>
+            <a:r>
+              <a:rPr lang="en-US" dirty="0" smtClean="0"/>
+              <a:t>This </a:t>
+            </a:r>
+            <a:r>
+              <a:rPr lang="en-US" dirty="0"/>
+              <a:t>might include metadata, or mirrored metadata, or striped data blocks etc.</a:t>
+            </a:r>
+          </a:p>
+        </p:txBody>
+      </p:sp>
+    </p:spTree>
+    <p:extLst>
+      <p:ext uri="{BB962C8B-B14F-4D97-AF65-F5344CB8AC3E}">
+        <p14:creationId xmlns:p14="http://schemas.microsoft.com/office/powerpoint/2010/main" val="4292138301"/>
+      </p:ext>
+    </p:extLst>
+  </p:cSld>
+  <p:clrMapOvr>
+    <a:masterClrMapping/>
+  </p:clrMapOvr>
+</p:sld>
+</file>
+
+<file path=ppt/slides/slide29.xml><?xml version="1.0" encoding="utf-8"?>
+<p:sld xmlns:a="http://schemas.openxmlformats.org/drawingml/2006/main" xmlns:r="http://schemas.openxmlformats.org/officeDocument/2006/relationships" xmlns:p="http://schemas.openxmlformats.org/presentationml/2006/main">
+  <p:cSld>
+    <p:spTree>
+      <p:nvGrpSpPr>
+        <p:cNvPr id="1" name=""/>
+        <p:cNvGrpSpPr/>
+        <p:nvPr/>
+      </p:nvGrpSpPr>
+      <p:grpSpPr>
+        <a:xfrm>
+          <a:off x="0" y="0"/>
+          <a:ext cx="0" cy="0"/>
+          <a:chOff x="0" y="0"/>
+          <a:chExt cx="0" cy="0"/>
+        </a:xfrm>
+      </p:grpSpPr>
+      <p:sp>
+        <p:nvSpPr>
+          <p:cNvPr id="2" name="Title 1"/>
+          <p:cNvSpPr>
+            <a:spLocks noGrp="1"/>
+          </p:cNvSpPr>
+          <p:nvPr>
+            <p:ph type="title"/>
+          </p:nvPr>
+        </p:nvSpPr>
+        <p:spPr/>
+        <p:txBody>
+          <a:bodyPr/>
+          <a:lstStyle/>
+          <a:p>
+            <a:r>
+              <a:rPr lang="en-US" dirty="0" smtClean="0"/>
+              <a:t>Link and Back Refs</a:t>
+            </a:r>
+            <a:endParaRPr lang="en-US" dirty="0"/>
+          </a:p>
+        </p:txBody>
+      </p:sp>
+      <p:sp>
+        <p:nvSpPr>
+          <p:cNvPr id="3" name="Content Placeholder 2"/>
+          <p:cNvSpPr>
+            <a:spLocks noGrp="1"/>
+          </p:cNvSpPr>
+          <p:nvPr>
+            <p:ph idx="1"/>
+          </p:nvPr>
+        </p:nvSpPr>
+        <p:spPr/>
+        <p:txBody>
+          <a:bodyPr/>
+          <a:lstStyle/>
+          <a:p>
+            <a:r>
+              <a:rPr lang="en-US" dirty="0" smtClean="0"/>
+              <a:t>Every pointer to extent has a back link</a:t>
+            </a:r>
+          </a:p>
+          <a:p>
+            <a:r>
+              <a:rPr lang="en-US" dirty="0" smtClean="0"/>
+              <a:t>Extent </a:t>
+            </a:r>
+            <a:r>
+              <a:rPr lang="en-US" dirty="0" err="1" smtClean="0"/>
+              <a:t>Backref</a:t>
+            </a:r>
+            <a:endParaRPr lang="en-US" dirty="0" smtClean="0"/>
+          </a:p>
+          <a:p>
+            <a:pPr lvl="1"/>
+            <a:r>
+              <a:rPr lang="en-US" dirty="0" err="1" smtClean="0"/>
+              <a:t>Root_object_id</a:t>
+            </a:r>
+            <a:endParaRPr lang="en-US" dirty="0" smtClean="0"/>
+          </a:p>
+          <a:p>
+            <a:pPr lvl="1"/>
+            <a:r>
+              <a:rPr lang="en-US" dirty="0" err="1" smtClean="0"/>
+              <a:t>Objectid</a:t>
+            </a:r>
+            <a:endParaRPr lang="en-US" dirty="0" smtClean="0"/>
+          </a:p>
+          <a:p>
+            <a:pPr lvl="1"/>
+            <a:r>
+              <a:rPr lang="en-US" dirty="0" smtClean="0"/>
+              <a:t>Offset</a:t>
+            </a:r>
+          </a:p>
+          <a:p>
+            <a:pPr lvl="1"/>
+            <a:r>
+              <a:rPr lang="en-US" dirty="0" smtClean="0"/>
+              <a:t>Count</a:t>
+            </a:r>
+            <a:endParaRPr lang="en-US" dirty="0"/>
+          </a:p>
+        </p:txBody>
+      </p:sp>
+    </p:spTree>
+    <p:extLst>
+      <p:ext uri="{BB962C8B-B14F-4D97-AF65-F5344CB8AC3E}">
+        <p14:creationId xmlns:p14="http://schemas.microsoft.com/office/powerpoint/2010/main" val="1560314885"/>
       </p:ext>
     </p:extLst>
   </p:cSld>
@@ -4989,6 +5646,356 @@
     <p:extLst>
       <p:ext uri="{BB962C8B-B14F-4D97-AF65-F5344CB8AC3E}">
         <p14:creationId xmlns:p14="http://schemas.microsoft.com/office/powerpoint/2010/main" val="908041306"/>
+      </p:ext>
+    </p:extLst>
+  </p:cSld>
+  <p:clrMapOvr>
+    <a:masterClrMapping/>
+  </p:clrMapOvr>
+</p:sld>
+</file>
+
+<file path=ppt/slides/slide30.xml><?xml version="1.0" encoding="utf-8"?>
+<p:sld xmlns:a="http://schemas.openxmlformats.org/drawingml/2006/main" xmlns:r="http://schemas.openxmlformats.org/officeDocument/2006/relationships" xmlns:p="http://schemas.openxmlformats.org/presentationml/2006/main">
+  <p:cSld>
+    <p:spTree>
+      <p:nvGrpSpPr>
+        <p:cNvPr id="1" name=""/>
+        <p:cNvGrpSpPr/>
+        <p:nvPr/>
+      </p:nvGrpSpPr>
+      <p:grpSpPr>
+        <a:xfrm>
+          <a:off x="0" y="0"/>
+          <a:ext cx="0" cy="0"/>
+          <a:chOff x="0" y="0"/>
+          <a:chExt cx="0" cy="0"/>
+        </a:xfrm>
+      </p:grpSpPr>
+      <p:sp>
+        <p:nvSpPr>
+          <p:cNvPr id="2" name="Title 1"/>
+          <p:cNvSpPr>
+            <a:spLocks noGrp="1"/>
+          </p:cNvSpPr>
+          <p:nvPr>
+            <p:ph type="title"/>
+          </p:nvPr>
+        </p:nvSpPr>
+        <p:spPr/>
+        <p:txBody>
+          <a:bodyPr/>
+          <a:lstStyle/>
+          <a:p>
+            <a:r>
+              <a:rPr lang="en-US" dirty="0" smtClean="0"/>
+              <a:t>Log Tree</a:t>
+            </a:r>
+            <a:endParaRPr lang="en-US" dirty="0"/>
+          </a:p>
+        </p:txBody>
+      </p:sp>
+      <p:sp>
+        <p:nvSpPr>
+          <p:cNvPr id="3" name="Content Placeholder 2"/>
+          <p:cNvSpPr>
+            <a:spLocks noGrp="1"/>
+          </p:cNvSpPr>
+          <p:nvPr>
+            <p:ph idx="1"/>
+          </p:nvPr>
+        </p:nvSpPr>
+        <p:spPr/>
+        <p:txBody>
+          <a:bodyPr>
+            <a:normAutofit/>
+          </a:bodyPr>
+          <a:lstStyle/>
+          <a:p>
+            <a:r>
+              <a:rPr lang="en-US" dirty="0" smtClean="0"/>
+              <a:t>Modified </a:t>
+            </a:r>
+            <a:r>
+              <a:rPr lang="en-US" dirty="0"/>
+              <a:t>data and metadata related to the particular file are written to a special </a:t>
+            </a:r>
+            <a:r>
+              <a:rPr lang="en-US" i="1" dirty="0"/>
+              <a:t>log-tree </a:t>
+            </a:r>
+            <a:endParaRPr lang="en-US" i="1" dirty="0" smtClean="0"/>
+          </a:p>
+          <a:p>
+            <a:r>
+              <a:rPr lang="en-US" dirty="0"/>
+              <a:t>Should the system crash, the log- tree will be read as part of the recovery sequence </a:t>
+            </a:r>
+            <a:endParaRPr lang="en-US" dirty="0" smtClean="0"/>
+          </a:p>
+          <a:p>
+            <a:r>
+              <a:rPr lang="en-US" dirty="0" smtClean="0"/>
+              <a:t>Implement </a:t>
+            </a:r>
+            <a:r>
+              <a:rPr lang="en-US" dirty="0" err="1" smtClean="0"/>
+              <a:t>Fsync</a:t>
+            </a:r>
+            <a:endParaRPr lang="en-US" dirty="0"/>
+          </a:p>
+          <a:p>
+            <a:endParaRPr lang="en-US" dirty="0"/>
+          </a:p>
+          <a:p>
+            <a:endParaRPr lang="en-US" dirty="0"/>
+          </a:p>
+        </p:txBody>
+      </p:sp>
+    </p:spTree>
+    <p:extLst>
+      <p:ext uri="{BB962C8B-B14F-4D97-AF65-F5344CB8AC3E}">
+        <p14:creationId xmlns:p14="http://schemas.microsoft.com/office/powerpoint/2010/main" val="3656615313"/>
+      </p:ext>
+    </p:extLst>
+  </p:cSld>
+  <p:clrMapOvr>
+    <a:masterClrMapping/>
+  </p:clrMapOvr>
+</p:sld>
+</file>
+
+<file path=ppt/slides/slide31.xml><?xml version="1.0" encoding="utf-8"?>
+<p:sld xmlns:a="http://schemas.openxmlformats.org/drawingml/2006/main" xmlns:r="http://schemas.openxmlformats.org/officeDocument/2006/relationships" xmlns:p="http://schemas.openxmlformats.org/presentationml/2006/main">
+  <p:cSld>
+    <p:spTree>
+      <p:nvGrpSpPr>
+        <p:cNvPr id="1" name=""/>
+        <p:cNvGrpSpPr/>
+        <p:nvPr/>
+      </p:nvGrpSpPr>
+      <p:grpSpPr>
+        <a:xfrm>
+          <a:off x="0" y="0"/>
+          <a:ext cx="0" cy="0"/>
+          <a:chOff x="0" y="0"/>
+          <a:chExt cx="0" cy="0"/>
+        </a:xfrm>
+      </p:grpSpPr>
+      <p:sp>
+        <p:nvSpPr>
+          <p:cNvPr id="2" name="Title 1"/>
+          <p:cNvSpPr>
+            <a:spLocks noGrp="1"/>
+          </p:cNvSpPr>
+          <p:nvPr>
+            <p:ph type="title"/>
+          </p:nvPr>
+        </p:nvSpPr>
+        <p:spPr/>
+        <p:txBody>
+          <a:bodyPr/>
+          <a:lstStyle/>
+          <a:p>
+            <a:r>
+              <a:rPr lang="en-US" dirty="0" smtClean="0"/>
+              <a:t>Compression</a:t>
+            </a:r>
+            <a:endParaRPr lang="en-US" dirty="0"/>
+          </a:p>
+        </p:txBody>
+      </p:sp>
+      <p:sp>
+        <p:nvSpPr>
+          <p:cNvPr id="3" name="Content Placeholder 2"/>
+          <p:cNvSpPr>
+            <a:spLocks noGrp="1"/>
+          </p:cNvSpPr>
+          <p:nvPr>
+            <p:ph idx="1"/>
+          </p:nvPr>
+        </p:nvSpPr>
+        <p:spPr/>
+        <p:txBody>
+          <a:bodyPr/>
+          <a:lstStyle/>
+          <a:p>
+            <a:r>
+              <a:rPr lang="en-US" dirty="0"/>
+              <a:t>Compression is implemented at the extent </a:t>
+            </a:r>
+            <a:r>
+              <a:rPr lang="en-US" dirty="0" smtClean="0"/>
+              <a:t>level</a:t>
+            </a:r>
+          </a:p>
+          <a:p>
+            <a:r>
+              <a:rPr lang="en-US" dirty="0" smtClean="0"/>
+              <a:t>Algorithms</a:t>
+            </a:r>
+          </a:p>
+          <a:p>
+            <a:pPr lvl="1"/>
+            <a:r>
+              <a:rPr lang="en-US" dirty="0" smtClean="0"/>
+              <a:t>ZLIB</a:t>
+            </a:r>
+          </a:p>
+          <a:p>
+            <a:pPr lvl="1"/>
+            <a:r>
+              <a:rPr lang="en-US" dirty="0" smtClean="0"/>
+              <a:t>LZO</a:t>
+            </a:r>
+            <a:endParaRPr lang="en-US" dirty="0"/>
+          </a:p>
+        </p:txBody>
+      </p:sp>
+    </p:spTree>
+    <p:extLst>
+      <p:ext uri="{BB962C8B-B14F-4D97-AF65-F5344CB8AC3E}">
+        <p14:creationId xmlns:p14="http://schemas.microsoft.com/office/powerpoint/2010/main" val="2909038782"/>
+      </p:ext>
+    </p:extLst>
+  </p:cSld>
+  <p:clrMapOvr>
+    <a:masterClrMapping/>
+  </p:clrMapOvr>
+</p:sld>
+</file>
+
+<file path=ppt/slides/slide32.xml><?xml version="1.0" encoding="utf-8"?>
+<p:sld xmlns:a="http://schemas.openxmlformats.org/drawingml/2006/main" xmlns:r="http://schemas.openxmlformats.org/officeDocument/2006/relationships" xmlns:p="http://schemas.openxmlformats.org/presentationml/2006/main">
+  <p:cSld>
+    <p:spTree>
+      <p:nvGrpSpPr>
+        <p:cNvPr id="1" name=""/>
+        <p:cNvGrpSpPr/>
+        <p:nvPr/>
+      </p:nvGrpSpPr>
+      <p:grpSpPr>
+        <a:xfrm>
+          <a:off x="0" y="0"/>
+          <a:ext cx="0" cy="0"/>
+          <a:chOff x="0" y="0"/>
+          <a:chExt cx="0" cy="0"/>
+        </a:xfrm>
+      </p:grpSpPr>
+      <p:sp>
+        <p:nvSpPr>
+          <p:cNvPr id="2" name="Title 1"/>
+          <p:cNvSpPr>
+            <a:spLocks noGrp="1"/>
+          </p:cNvSpPr>
+          <p:nvPr>
+            <p:ph type="title"/>
+          </p:nvPr>
+        </p:nvSpPr>
+        <p:spPr/>
+        <p:txBody>
+          <a:bodyPr/>
+          <a:lstStyle/>
+          <a:p>
+            <a:r>
+              <a:rPr lang="en-US" dirty="0" smtClean="0"/>
+              <a:t>Concurrency</a:t>
+            </a:r>
+            <a:endParaRPr lang="en-US" dirty="0"/>
+          </a:p>
+        </p:txBody>
+      </p:sp>
+      <p:sp>
+        <p:nvSpPr>
+          <p:cNvPr id="3" name="Content Placeholder 2"/>
+          <p:cNvSpPr>
+            <a:spLocks noGrp="1"/>
+          </p:cNvSpPr>
+          <p:nvPr>
+            <p:ph idx="1"/>
+          </p:nvPr>
+        </p:nvSpPr>
+        <p:spPr/>
+        <p:txBody>
+          <a:bodyPr/>
+          <a:lstStyle/>
+          <a:p>
+            <a:endParaRPr lang="en-US"/>
+          </a:p>
+        </p:txBody>
+      </p:sp>
+    </p:spTree>
+    <p:extLst>
+      <p:ext uri="{BB962C8B-B14F-4D97-AF65-F5344CB8AC3E}">
+        <p14:creationId xmlns:p14="http://schemas.microsoft.com/office/powerpoint/2010/main" val="1530446896"/>
+      </p:ext>
+    </p:extLst>
+  </p:cSld>
+  <p:clrMapOvr>
+    <a:masterClrMapping/>
+  </p:clrMapOvr>
+</p:sld>
+</file>
+
+<file path=ppt/slides/slide33.xml><?xml version="1.0" encoding="utf-8"?>
+<p:sld xmlns:a="http://schemas.openxmlformats.org/drawingml/2006/main" xmlns:r="http://schemas.openxmlformats.org/officeDocument/2006/relationships" xmlns:p="http://schemas.openxmlformats.org/presentationml/2006/main">
+  <p:cSld>
+    <p:spTree>
+      <p:nvGrpSpPr>
+        <p:cNvPr id="1" name=""/>
+        <p:cNvGrpSpPr/>
+        <p:nvPr/>
+      </p:nvGrpSpPr>
+      <p:grpSpPr>
+        <a:xfrm>
+          <a:off x="0" y="0"/>
+          <a:ext cx="0" cy="0"/>
+          <a:chOff x="0" y="0"/>
+          <a:chExt cx="0" cy="0"/>
+        </a:xfrm>
+      </p:grpSpPr>
+      <p:sp>
+        <p:nvSpPr>
+          <p:cNvPr id="2" name="Title 1"/>
+          <p:cNvSpPr>
+            <a:spLocks noGrp="1"/>
+          </p:cNvSpPr>
+          <p:nvPr>
+            <p:ph type="title"/>
+          </p:nvPr>
+        </p:nvSpPr>
+        <p:spPr/>
+        <p:txBody>
+          <a:bodyPr/>
+          <a:lstStyle/>
+          <a:p>
+            <a:endParaRPr lang="en-US"/>
+          </a:p>
+        </p:txBody>
+      </p:sp>
+      <p:sp>
+        <p:nvSpPr>
+          <p:cNvPr id="3" name="Content Placeholder 2"/>
+          <p:cNvSpPr>
+            <a:spLocks noGrp="1"/>
+          </p:cNvSpPr>
+          <p:nvPr>
+            <p:ph idx="1"/>
+          </p:nvPr>
+        </p:nvSpPr>
+        <p:spPr/>
+        <p:txBody>
+          <a:bodyPr/>
+          <a:lstStyle/>
+          <a:p>
+            <a:endParaRPr lang="en-US"/>
+          </a:p>
+        </p:txBody>
+      </p:sp>
+    </p:spTree>
+    <p:extLst>
+      <p:ext uri="{BB962C8B-B14F-4D97-AF65-F5344CB8AC3E}">
+        <p14:creationId xmlns:p14="http://schemas.microsoft.com/office/powerpoint/2010/main" val="2208804765"/>
       </p:ext>
     </p:extLst>
   </p:cSld>
